--- a/misc/staff.pptx
+++ b/misc/staff.pptx
@@ -270,7 +270,7 @@
           <a:p>
             <a:fld id="{AD3F6B16-F2DC-F743-A09D-8B0300CDAED8}" type="datetimeFigureOut">
               <a:rPr lang="en-US" smtClean="0"/>
-              <a:t>5/16/20</a:t>
+              <a:t>5/17/20</a:t>
             </a:fld>
             <a:endParaRPr lang="en-US"/>
           </a:p>
@@ -468,7 +468,7 @@
           <a:p>
             <a:fld id="{AD3F6B16-F2DC-F743-A09D-8B0300CDAED8}" type="datetimeFigureOut">
               <a:rPr lang="en-US" smtClean="0"/>
-              <a:t>5/16/20</a:t>
+              <a:t>5/17/20</a:t>
             </a:fld>
             <a:endParaRPr lang="en-US"/>
           </a:p>
@@ -676,7 +676,7 @@
           <a:p>
             <a:fld id="{AD3F6B16-F2DC-F743-A09D-8B0300CDAED8}" type="datetimeFigureOut">
               <a:rPr lang="en-US" smtClean="0"/>
-              <a:t>5/16/20</a:t>
+              <a:t>5/17/20</a:t>
             </a:fld>
             <a:endParaRPr lang="en-US"/>
           </a:p>
@@ -874,7 +874,7 @@
           <a:p>
             <a:fld id="{AD3F6B16-F2DC-F743-A09D-8B0300CDAED8}" type="datetimeFigureOut">
               <a:rPr lang="en-US" smtClean="0"/>
-              <a:t>5/16/20</a:t>
+              <a:t>5/17/20</a:t>
             </a:fld>
             <a:endParaRPr lang="en-US"/>
           </a:p>
@@ -1149,7 +1149,7 @@
           <a:p>
             <a:fld id="{AD3F6B16-F2DC-F743-A09D-8B0300CDAED8}" type="datetimeFigureOut">
               <a:rPr lang="en-US" smtClean="0"/>
-              <a:t>5/16/20</a:t>
+              <a:t>5/17/20</a:t>
             </a:fld>
             <a:endParaRPr lang="en-US"/>
           </a:p>
@@ -1414,7 +1414,7 @@
           <a:p>
             <a:fld id="{AD3F6B16-F2DC-F743-A09D-8B0300CDAED8}" type="datetimeFigureOut">
               <a:rPr lang="en-US" smtClean="0"/>
-              <a:t>5/16/20</a:t>
+              <a:t>5/17/20</a:t>
             </a:fld>
             <a:endParaRPr lang="en-US"/>
           </a:p>
@@ -1826,7 +1826,7 @@
           <a:p>
             <a:fld id="{AD3F6B16-F2DC-F743-A09D-8B0300CDAED8}" type="datetimeFigureOut">
               <a:rPr lang="en-US" smtClean="0"/>
-              <a:t>5/16/20</a:t>
+              <a:t>5/17/20</a:t>
             </a:fld>
             <a:endParaRPr lang="en-US"/>
           </a:p>
@@ -1967,7 +1967,7 @@
           <a:p>
             <a:fld id="{AD3F6B16-F2DC-F743-A09D-8B0300CDAED8}" type="datetimeFigureOut">
               <a:rPr lang="en-US" smtClean="0"/>
-              <a:t>5/16/20</a:t>
+              <a:t>5/17/20</a:t>
             </a:fld>
             <a:endParaRPr lang="en-US"/>
           </a:p>
@@ -2080,7 +2080,7 @@
           <a:p>
             <a:fld id="{AD3F6B16-F2DC-F743-A09D-8B0300CDAED8}" type="datetimeFigureOut">
               <a:rPr lang="en-US" smtClean="0"/>
-              <a:t>5/16/20</a:t>
+              <a:t>5/17/20</a:t>
             </a:fld>
             <a:endParaRPr lang="en-US"/>
           </a:p>
@@ -2391,7 +2391,7 @@
           <a:p>
             <a:fld id="{AD3F6B16-F2DC-F743-A09D-8B0300CDAED8}" type="datetimeFigureOut">
               <a:rPr lang="en-US" smtClean="0"/>
-              <a:t>5/16/20</a:t>
+              <a:t>5/17/20</a:t>
             </a:fld>
             <a:endParaRPr lang="en-US"/>
           </a:p>
@@ -2679,7 +2679,7 @@
           <a:p>
             <a:fld id="{AD3F6B16-F2DC-F743-A09D-8B0300CDAED8}" type="datetimeFigureOut">
               <a:rPr lang="en-US" smtClean="0"/>
-              <a:t>5/16/20</a:t>
+              <a:t>5/17/20</a:t>
             </a:fld>
             <a:endParaRPr lang="en-US"/>
           </a:p>
@@ -2920,7 +2920,7 @@
           <a:p>
             <a:fld id="{AD3F6B16-F2DC-F743-A09D-8B0300CDAED8}" type="datetimeFigureOut">
               <a:rPr lang="en-US" smtClean="0"/>
-              <a:t>5/16/20</a:t>
+              <a:t>5/17/20</a:t>
             </a:fld>
             <a:endParaRPr lang="en-US"/>
           </a:p>
@@ -4468,8 +4468,12 @@
             <a:lstStyle/>
             <a:p>
               <a:r>
+                <a:rPr lang="en-US" sz="1600"/>
+                <a:t>Dr. Hannah </a:t>
+              </a:r>
+              <a:r>
                 <a:rPr lang="en-US" sz="1600" dirty="0"/>
-                <a:t>Hannah Lyman</a:t>
+                <a:t>Lyman</a:t>
               </a:r>
             </a:p>
           </p:txBody>

--- a/misc/staff.pptx
+++ b/misc/staff.pptx
@@ -6,6 +6,7 @@
   </p:sldMasterIdLst>
   <p:sldIdLst>
     <p:sldId id="300" r:id="rId2"/>
+    <p:sldId id="301" r:id="rId3"/>
   </p:sldIdLst>
   <p:sldSz cx="12192000" cy="6858000"/>
   <p:notesSz cx="6858000" cy="9144000"/>
@@ -270,7 +271,7 @@
           <a:p>
             <a:fld id="{AD3F6B16-F2DC-F743-A09D-8B0300CDAED8}" type="datetimeFigureOut">
               <a:rPr lang="en-US" smtClean="0"/>
-              <a:t>5/17/20</a:t>
+              <a:t>9/28/20</a:t>
             </a:fld>
             <a:endParaRPr lang="en-US"/>
           </a:p>
@@ -468,7 +469,7 @@
           <a:p>
             <a:fld id="{AD3F6B16-F2DC-F743-A09D-8B0300CDAED8}" type="datetimeFigureOut">
               <a:rPr lang="en-US" smtClean="0"/>
-              <a:t>5/17/20</a:t>
+              <a:t>9/28/20</a:t>
             </a:fld>
             <a:endParaRPr lang="en-US"/>
           </a:p>
@@ -676,7 +677,7 @@
           <a:p>
             <a:fld id="{AD3F6B16-F2DC-F743-A09D-8B0300CDAED8}" type="datetimeFigureOut">
               <a:rPr lang="en-US" smtClean="0"/>
-              <a:t>5/17/20</a:t>
+              <a:t>9/28/20</a:t>
             </a:fld>
             <a:endParaRPr lang="en-US"/>
           </a:p>
@@ -874,7 +875,7 @@
           <a:p>
             <a:fld id="{AD3F6B16-F2DC-F743-A09D-8B0300CDAED8}" type="datetimeFigureOut">
               <a:rPr lang="en-US" smtClean="0"/>
-              <a:t>5/17/20</a:t>
+              <a:t>9/28/20</a:t>
             </a:fld>
             <a:endParaRPr lang="en-US"/>
           </a:p>
@@ -1149,7 +1150,7 @@
           <a:p>
             <a:fld id="{AD3F6B16-F2DC-F743-A09D-8B0300CDAED8}" type="datetimeFigureOut">
               <a:rPr lang="en-US" smtClean="0"/>
-              <a:t>5/17/20</a:t>
+              <a:t>9/28/20</a:t>
             </a:fld>
             <a:endParaRPr lang="en-US"/>
           </a:p>
@@ -1414,7 +1415,7 @@
           <a:p>
             <a:fld id="{AD3F6B16-F2DC-F743-A09D-8B0300CDAED8}" type="datetimeFigureOut">
               <a:rPr lang="en-US" smtClean="0"/>
-              <a:t>5/17/20</a:t>
+              <a:t>9/28/20</a:t>
             </a:fld>
             <a:endParaRPr lang="en-US"/>
           </a:p>
@@ -1826,7 +1827,7 @@
           <a:p>
             <a:fld id="{AD3F6B16-F2DC-F743-A09D-8B0300CDAED8}" type="datetimeFigureOut">
               <a:rPr lang="en-US" smtClean="0"/>
-              <a:t>5/17/20</a:t>
+              <a:t>9/28/20</a:t>
             </a:fld>
             <a:endParaRPr lang="en-US"/>
           </a:p>
@@ -1967,7 +1968,7 @@
           <a:p>
             <a:fld id="{AD3F6B16-F2DC-F743-A09D-8B0300CDAED8}" type="datetimeFigureOut">
               <a:rPr lang="en-US" smtClean="0"/>
-              <a:t>5/17/20</a:t>
+              <a:t>9/28/20</a:t>
             </a:fld>
             <a:endParaRPr lang="en-US"/>
           </a:p>
@@ -2080,7 +2081,7 @@
           <a:p>
             <a:fld id="{AD3F6B16-F2DC-F743-A09D-8B0300CDAED8}" type="datetimeFigureOut">
               <a:rPr lang="en-US" smtClean="0"/>
-              <a:t>5/17/20</a:t>
+              <a:t>9/28/20</a:t>
             </a:fld>
             <a:endParaRPr lang="en-US"/>
           </a:p>
@@ -2391,7 +2392,7 @@
           <a:p>
             <a:fld id="{AD3F6B16-F2DC-F743-A09D-8B0300CDAED8}" type="datetimeFigureOut">
               <a:rPr lang="en-US" smtClean="0"/>
-              <a:t>5/17/20</a:t>
+              <a:t>9/28/20</a:t>
             </a:fld>
             <a:endParaRPr lang="en-US"/>
           </a:p>
@@ -2679,7 +2680,7 @@
           <a:p>
             <a:fld id="{AD3F6B16-F2DC-F743-A09D-8B0300CDAED8}" type="datetimeFigureOut">
               <a:rPr lang="en-US" smtClean="0"/>
-              <a:t>5/17/20</a:t>
+              <a:t>9/28/20</a:t>
             </a:fld>
             <a:endParaRPr lang="en-US"/>
           </a:p>
@@ -2920,7 +2921,7 @@
           <a:p>
             <a:fld id="{AD3F6B16-F2DC-F743-A09D-8B0300CDAED8}" type="datetimeFigureOut">
               <a:rPr lang="en-US" smtClean="0"/>
-              <a:t>5/17/20</a:t>
+              <a:t>9/28/20</a:t>
             </a:fld>
             <a:endParaRPr lang="en-US"/>
           </a:p>
@@ -4492,6 +4493,1202 @@
 </p:sld>
 </file>
 
+<file path=ppt/slides/slide2.xml><?xml version="1.0" encoding="utf-8"?>
+<p:sld xmlns:a="http://schemas.openxmlformats.org/drawingml/2006/main" xmlns:r="http://schemas.openxmlformats.org/officeDocument/2006/relationships" xmlns:p="http://schemas.openxmlformats.org/presentationml/2006/main">
+  <p:cSld>
+    <p:spTree>
+      <p:nvGrpSpPr>
+        <p:cNvPr id="1" name=""/>
+        <p:cNvGrpSpPr/>
+        <p:nvPr/>
+      </p:nvGrpSpPr>
+      <p:grpSpPr>
+        <a:xfrm>
+          <a:off x="0" y="0"/>
+          <a:ext cx="0" cy="0"/>
+          <a:chOff x="0" y="0"/>
+          <a:chExt cx="0" cy="0"/>
+        </a:xfrm>
+      </p:grpSpPr>
+      <p:sp>
+        <p:nvSpPr>
+          <p:cNvPr id="2" name="Title 1"/>
+          <p:cNvSpPr>
+            <a:spLocks noGrp="1"/>
+          </p:cNvSpPr>
+          <p:nvPr>
+            <p:ph type="title"/>
+          </p:nvPr>
+        </p:nvSpPr>
+        <p:spPr/>
+        <p:txBody>
+          <a:bodyPr>
+            <a:normAutofit/>
+          </a:bodyPr>
+          <a:lstStyle/>
+          <a:p>
+            <a:pPr algn="ctr"/>
+            <a:r>
+              <a:rPr lang="en-US" sz="3600" dirty="0"/>
+              <a:t>UC Davis DNA Technologies Core in the Genome Center</a:t>
+            </a:r>
+          </a:p>
+        </p:txBody>
+      </p:sp>
+      <p:grpSp>
+        <p:nvGrpSpPr>
+          <p:cNvPr id="3" name="Group 2">
+            <a:extLst>
+              <a:ext uri="{FF2B5EF4-FFF2-40B4-BE49-F238E27FC236}">
+                <a16:creationId xmlns:a16="http://schemas.microsoft.com/office/drawing/2014/main" id="{FFBFFD06-486C-EA4D-B6F7-E461E4409913}"/>
+              </a:ext>
+            </a:extLst>
+          </p:cNvPr>
+          <p:cNvGrpSpPr/>
+          <p:nvPr/>
+        </p:nvGrpSpPr>
+        <p:grpSpPr>
+          <a:xfrm>
+            <a:off x="359813" y="1449530"/>
+            <a:ext cx="11670915" cy="5225215"/>
+            <a:chOff x="359813" y="1449530"/>
+            <a:chExt cx="11670915" cy="5225215"/>
+          </a:xfrm>
+        </p:grpSpPr>
+        <p:grpSp>
+          <p:nvGrpSpPr>
+            <p:cNvPr id="5" name="Group 4">
+              <a:extLst>
+                <a:ext uri="{FF2B5EF4-FFF2-40B4-BE49-F238E27FC236}">
+                  <a16:creationId xmlns:a16="http://schemas.microsoft.com/office/drawing/2014/main" id="{BC9C6E7C-6E7C-0649-9613-413B1FCABB22}"/>
+                </a:ext>
+              </a:extLst>
+            </p:cNvPr>
+            <p:cNvGrpSpPr/>
+            <p:nvPr/>
+          </p:nvGrpSpPr>
+          <p:grpSpPr>
+            <a:xfrm>
+              <a:off x="359813" y="1449530"/>
+              <a:ext cx="11670915" cy="5225215"/>
+              <a:chOff x="359813" y="1449530"/>
+              <a:chExt cx="11670915" cy="5225215"/>
+            </a:xfrm>
+          </p:grpSpPr>
+          <p:sp>
+            <p:nvSpPr>
+              <p:cNvPr id="4" name="Rectangle 3">
+                <a:extLst>
+                  <a:ext uri="{FF2B5EF4-FFF2-40B4-BE49-F238E27FC236}">
+                    <a16:creationId xmlns:a16="http://schemas.microsoft.com/office/drawing/2014/main" id="{440FE0E2-91A7-084C-B967-88363CDBCA33}"/>
+                  </a:ext>
+                </a:extLst>
+              </p:cNvPr>
+              <p:cNvSpPr/>
+              <p:nvPr/>
+            </p:nvSpPr>
+            <p:spPr>
+              <a:xfrm>
+                <a:off x="359813" y="2285625"/>
+                <a:ext cx="3840480" cy="4389120"/>
+              </a:xfrm>
+              <a:prstGeom prst="rect">
+                <a:avLst/>
+              </a:prstGeom>
+              <a:solidFill>
+                <a:schemeClr val="accent1">
+                  <a:alpha val="50000"/>
+                </a:schemeClr>
+              </a:solidFill>
+            </p:spPr>
+            <p:style>
+              <a:lnRef idx="2">
+                <a:schemeClr val="accent1">
+                  <a:shade val="50000"/>
+                </a:schemeClr>
+              </a:lnRef>
+              <a:fillRef idx="1">
+                <a:schemeClr val="accent1"/>
+              </a:fillRef>
+              <a:effectRef idx="0">
+                <a:schemeClr val="accent1"/>
+              </a:effectRef>
+              <a:fontRef idx="minor">
+                <a:schemeClr val="lt1"/>
+              </a:fontRef>
+            </p:style>
+            <p:txBody>
+              <a:bodyPr rtlCol="0" anchor="ctr"/>
+              <a:lstStyle/>
+              <a:p>
+                <a:pPr algn="ctr"/>
+                <a:endParaRPr lang="en-US" dirty="0"/>
+              </a:p>
+            </p:txBody>
+          </p:sp>
+          <p:sp>
+            <p:nvSpPr>
+              <p:cNvPr id="6" name="TextBox 5">
+                <a:extLst>
+                  <a:ext uri="{FF2B5EF4-FFF2-40B4-BE49-F238E27FC236}">
+                    <a16:creationId xmlns:a16="http://schemas.microsoft.com/office/drawing/2014/main" id="{D3078C73-B612-C749-B7FF-B27CE68F8220}"/>
+                  </a:ext>
+                </a:extLst>
+              </p:cNvPr>
+              <p:cNvSpPr txBox="1"/>
+              <p:nvPr/>
+            </p:nvSpPr>
+            <p:spPr>
+              <a:xfrm>
+                <a:off x="2910115" y="1449530"/>
+                <a:ext cx="2830286" cy="646331"/>
+              </a:xfrm>
+              <a:prstGeom prst="rect">
+                <a:avLst/>
+              </a:prstGeom>
+              <a:noFill/>
+            </p:spPr>
+            <p:txBody>
+              <a:bodyPr wrap="square" rtlCol="0">
+                <a:spAutoFit/>
+              </a:bodyPr>
+              <a:lstStyle/>
+              <a:p>
+                <a:pPr algn="ctr"/>
+                <a:r>
+                  <a:rPr lang="en-US" b="1" dirty="0"/>
+                  <a:t>Core Facility Manager</a:t>
+                </a:r>
+              </a:p>
+              <a:p>
+                <a:pPr algn="ctr"/>
+                <a:r>
+                  <a:rPr lang="en-US" dirty="0"/>
+                  <a:t>Dr. Lutz </a:t>
+                </a:r>
+                <a:r>
+                  <a:rPr lang="en-US" dirty="0" err="1"/>
+                  <a:t>Froenicke</a:t>
+                </a:r>
+                <a:endParaRPr lang="en-US" dirty="0"/>
+              </a:p>
+            </p:txBody>
+          </p:sp>
+          <p:sp>
+            <p:nvSpPr>
+              <p:cNvPr id="7" name="TextBox 6">
+                <a:extLst>
+                  <a:ext uri="{FF2B5EF4-FFF2-40B4-BE49-F238E27FC236}">
+                    <a16:creationId xmlns:a16="http://schemas.microsoft.com/office/drawing/2014/main" id="{4D6A2649-A224-7A45-A422-8FE6DE4B4E39}"/>
+                  </a:ext>
+                </a:extLst>
+              </p:cNvPr>
+              <p:cNvSpPr txBox="1"/>
+              <p:nvPr/>
+            </p:nvSpPr>
+            <p:spPr>
+              <a:xfrm>
+                <a:off x="7165988" y="1460353"/>
+                <a:ext cx="2385703" cy="646331"/>
+              </a:xfrm>
+              <a:prstGeom prst="rect">
+                <a:avLst/>
+              </a:prstGeom>
+              <a:noFill/>
+            </p:spPr>
+            <p:txBody>
+              <a:bodyPr wrap="square" rtlCol="0">
+                <a:spAutoFit/>
+              </a:bodyPr>
+              <a:lstStyle/>
+              <a:p>
+                <a:pPr algn="ctr"/>
+                <a:r>
+                  <a:rPr lang="en-US" b="1" dirty="0"/>
+                  <a:t>Faculty Advisor</a:t>
+                </a:r>
+              </a:p>
+              <a:p>
+                <a:pPr algn="ctr"/>
+                <a:r>
+                  <a:rPr lang="en-US" dirty="0"/>
+                  <a:t>Dr. Luca </a:t>
+                </a:r>
+                <a:r>
+                  <a:rPr lang="en-US" dirty="0" err="1"/>
+                  <a:t>Comai</a:t>
+                </a:r>
+                <a:endParaRPr lang="en-US" dirty="0"/>
+              </a:p>
+            </p:txBody>
+          </p:sp>
+          <p:sp>
+            <p:nvSpPr>
+              <p:cNvPr id="8" name="TextBox 7">
+                <a:extLst>
+                  <a:ext uri="{FF2B5EF4-FFF2-40B4-BE49-F238E27FC236}">
+                    <a16:creationId xmlns:a16="http://schemas.microsoft.com/office/drawing/2014/main" id="{90B0109E-1358-674A-8A03-9DD76E12E9F3}"/>
+                  </a:ext>
+                </a:extLst>
+              </p:cNvPr>
+              <p:cNvSpPr txBox="1"/>
+              <p:nvPr/>
+            </p:nvSpPr>
+            <p:spPr>
+              <a:xfrm rot="16200000">
+                <a:off x="-1650079" y="4273570"/>
+                <a:ext cx="4389122" cy="369332"/>
+              </a:xfrm>
+              <a:prstGeom prst="rect">
+                <a:avLst/>
+              </a:prstGeom>
+              <a:noFill/>
+            </p:spPr>
+            <p:txBody>
+              <a:bodyPr wrap="square" rtlCol="0">
+                <a:spAutoFit/>
+              </a:bodyPr>
+              <a:lstStyle/>
+              <a:p>
+                <a:pPr algn="ctr"/>
+                <a:r>
+                  <a:rPr lang="en-US" b="1" dirty="0"/>
+                  <a:t>Illumina Sequencing</a:t>
+                </a:r>
+              </a:p>
+            </p:txBody>
+          </p:sp>
+          <p:sp>
+            <p:nvSpPr>
+              <p:cNvPr id="9" name="TextBox 8">
+                <a:extLst>
+                  <a:ext uri="{FF2B5EF4-FFF2-40B4-BE49-F238E27FC236}">
+                    <a16:creationId xmlns:a16="http://schemas.microsoft.com/office/drawing/2014/main" id="{067F403F-C502-774A-B9D1-902EA59AB282}"/>
+                  </a:ext>
+                </a:extLst>
+              </p:cNvPr>
+              <p:cNvSpPr txBox="1"/>
+              <p:nvPr/>
+            </p:nvSpPr>
+            <p:spPr>
+              <a:xfrm>
+                <a:off x="741768" y="2413190"/>
+                <a:ext cx="2001432" cy="338554"/>
+              </a:xfrm>
+              <a:prstGeom prst="rect">
+                <a:avLst/>
+              </a:prstGeom>
+              <a:noFill/>
+            </p:spPr>
+            <p:txBody>
+              <a:bodyPr wrap="square" rtlCol="0">
+                <a:spAutoFit/>
+              </a:bodyPr>
+              <a:lstStyle/>
+              <a:p>
+                <a:r>
+                  <a:rPr lang="en-US" sz="1600" b="1" dirty="0"/>
+                  <a:t>Library Preparations</a:t>
+                </a:r>
+              </a:p>
+            </p:txBody>
+          </p:sp>
+          <p:sp>
+            <p:nvSpPr>
+              <p:cNvPr id="10" name="TextBox 9">
+                <a:extLst>
+                  <a:ext uri="{FF2B5EF4-FFF2-40B4-BE49-F238E27FC236}">
+                    <a16:creationId xmlns:a16="http://schemas.microsoft.com/office/drawing/2014/main" id="{15B3DA25-494E-334F-B139-C3CFBC566C7E}"/>
+                  </a:ext>
+                </a:extLst>
+              </p:cNvPr>
+              <p:cNvSpPr txBox="1"/>
+              <p:nvPr/>
+            </p:nvSpPr>
+            <p:spPr>
+              <a:xfrm>
+                <a:off x="741766" y="2723907"/>
+                <a:ext cx="3274651" cy="1077218"/>
+              </a:xfrm>
+              <a:prstGeom prst="rect">
+                <a:avLst/>
+              </a:prstGeom>
+              <a:noFill/>
+            </p:spPr>
+            <p:txBody>
+              <a:bodyPr wrap="square" rtlCol="0">
+                <a:spAutoFit/>
+              </a:bodyPr>
+              <a:lstStyle/>
+              <a:p>
+                <a:r>
+                  <a:rPr lang="en-US" sz="1600" dirty="0"/>
+                  <a:t>Emily </a:t>
+                </a:r>
+                <a:r>
+                  <a:rPr lang="en-US" sz="1600" dirty="0" err="1"/>
+                  <a:t>Kumimoto</a:t>
+                </a:r>
+                <a:endParaRPr lang="en-US" sz="1600" dirty="0"/>
+              </a:p>
+              <a:p>
+                <a:r>
+                  <a:rPr lang="en-US" sz="1600" dirty="0"/>
+                  <a:t>Claire Barron Goldman</a:t>
+                </a:r>
+              </a:p>
+              <a:p>
+                <a:r>
+                  <a:rPr lang="en-US" sz="1600" dirty="0"/>
+                  <a:t>Natasha Mariano</a:t>
+                </a:r>
+              </a:p>
+              <a:p>
+                <a:r>
+                  <a:rPr lang="en-US" sz="1600" dirty="0" err="1"/>
+                  <a:t>Siranoosh</a:t>
+                </a:r>
+                <a:r>
+                  <a:rPr lang="en-US" sz="1600" dirty="0"/>
+                  <a:t> </a:t>
+                </a:r>
+                <a:r>
+                  <a:rPr lang="en-US" sz="1600" dirty="0" err="1"/>
+                  <a:t>Ashtari</a:t>
+                </a:r>
+                <a:endParaRPr lang="en-US" sz="1600" dirty="0"/>
+              </a:p>
+            </p:txBody>
+          </p:sp>
+          <p:sp>
+            <p:nvSpPr>
+              <p:cNvPr id="11" name="TextBox 10">
+                <a:extLst>
+                  <a:ext uri="{FF2B5EF4-FFF2-40B4-BE49-F238E27FC236}">
+                    <a16:creationId xmlns:a16="http://schemas.microsoft.com/office/drawing/2014/main" id="{9C3814BD-0AE3-054B-A72A-34601EBC52A9}"/>
+                  </a:ext>
+                </a:extLst>
+              </p:cNvPr>
+              <p:cNvSpPr txBox="1"/>
+              <p:nvPr/>
+            </p:nvSpPr>
+            <p:spPr>
+              <a:xfrm>
+                <a:off x="767251" y="3812142"/>
+                <a:ext cx="1843088" cy="338554"/>
+              </a:xfrm>
+              <a:prstGeom prst="rect">
+                <a:avLst/>
+              </a:prstGeom>
+              <a:noFill/>
+            </p:spPr>
+            <p:txBody>
+              <a:bodyPr wrap="square" rtlCol="0">
+                <a:spAutoFit/>
+              </a:bodyPr>
+              <a:lstStyle/>
+              <a:p>
+                <a:r>
+                  <a:rPr lang="en-US" sz="1600" b="1" dirty="0"/>
+                  <a:t>Biostatistics</a:t>
+                </a:r>
+              </a:p>
+            </p:txBody>
+          </p:sp>
+          <p:sp>
+            <p:nvSpPr>
+              <p:cNvPr id="12" name="TextBox 11">
+                <a:extLst>
+                  <a:ext uri="{FF2B5EF4-FFF2-40B4-BE49-F238E27FC236}">
+                    <a16:creationId xmlns:a16="http://schemas.microsoft.com/office/drawing/2014/main" id="{66894648-8A6F-C243-B5A9-9A8DA547E0D5}"/>
+                  </a:ext>
+                </a:extLst>
+              </p:cNvPr>
+              <p:cNvSpPr txBox="1"/>
+              <p:nvPr/>
+            </p:nvSpPr>
+            <p:spPr>
+              <a:xfrm>
+                <a:off x="767178" y="4151052"/>
+                <a:ext cx="3369887" cy="338554"/>
+              </a:xfrm>
+              <a:prstGeom prst="rect">
+                <a:avLst/>
+              </a:prstGeom>
+              <a:noFill/>
+            </p:spPr>
+            <p:txBody>
+              <a:bodyPr wrap="square" rtlCol="0">
+                <a:spAutoFit/>
+              </a:bodyPr>
+              <a:lstStyle/>
+              <a:p>
+                <a:r>
+                  <a:rPr lang="en-US" sz="1600" dirty="0"/>
+                  <a:t>Dr. Blythe Durbin-Johnson (40%)</a:t>
+                </a:r>
+              </a:p>
+            </p:txBody>
+          </p:sp>
+          <p:sp>
+            <p:nvSpPr>
+              <p:cNvPr id="13" name="TextBox 12">
+                <a:extLst>
+                  <a:ext uri="{FF2B5EF4-FFF2-40B4-BE49-F238E27FC236}">
+                    <a16:creationId xmlns:a16="http://schemas.microsoft.com/office/drawing/2014/main" id="{B6B1AED1-716F-2148-BC8F-AB87EE43DBEC}"/>
+                  </a:ext>
+                </a:extLst>
+              </p:cNvPr>
+              <p:cNvSpPr txBox="1"/>
+              <p:nvPr/>
+            </p:nvSpPr>
+            <p:spPr>
+              <a:xfrm>
+                <a:off x="767178" y="5850355"/>
+                <a:ext cx="2462730" cy="584775"/>
+              </a:xfrm>
+              <a:prstGeom prst="rect">
+                <a:avLst/>
+              </a:prstGeom>
+              <a:noFill/>
+            </p:spPr>
+            <p:txBody>
+              <a:bodyPr wrap="square" rtlCol="0">
+                <a:spAutoFit/>
+              </a:bodyPr>
+              <a:lstStyle/>
+              <a:p>
+                <a:r>
+                  <a:rPr lang="en-US" sz="1600" dirty="0"/>
+                  <a:t>Undergraduate assistant(s)</a:t>
+                </a:r>
+              </a:p>
+              <a:p>
+                <a:r>
+                  <a:rPr lang="en-US" sz="1600" dirty="0"/>
+                  <a:t>Visiting scholars</a:t>
+                </a:r>
+              </a:p>
+            </p:txBody>
+          </p:sp>
+          <p:sp>
+            <p:nvSpPr>
+              <p:cNvPr id="14" name="Rectangle 13">
+                <a:extLst>
+                  <a:ext uri="{FF2B5EF4-FFF2-40B4-BE49-F238E27FC236}">
+                    <a16:creationId xmlns:a16="http://schemas.microsoft.com/office/drawing/2014/main" id="{DEC25D77-07CC-6C4B-9894-8BA18EE7A864}"/>
+                  </a:ext>
+                </a:extLst>
+              </p:cNvPr>
+              <p:cNvSpPr/>
+              <p:nvPr/>
+            </p:nvSpPr>
+            <p:spPr>
+              <a:xfrm>
+                <a:off x="4418827" y="2285625"/>
+                <a:ext cx="3749039" cy="4389120"/>
+              </a:xfrm>
+              <a:prstGeom prst="rect">
+                <a:avLst/>
+              </a:prstGeom>
+              <a:solidFill>
+                <a:schemeClr val="accent6">
+                  <a:alpha val="50000"/>
+                </a:schemeClr>
+              </a:solidFill>
+            </p:spPr>
+            <p:style>
+              <a:lnRef idx="2">
+                <a:schemeClr val="accent1">
+                  <a:shade val="50000"/>
+                </a:schemeClr>
+              </a:lnRef>
+              <a:fillRef idx="1">
+                <a:schemeClr val="accent1"/>
+              </a:fillRef>
+              <a:effectRef idx="0">
+                <a:schemeClr val="accent1"/>
+              </a:effectRef>
+              <a:fontRef idx="minor">
+                <a:schemeClr val="lt1"/>
+              </a:fontRef>
+            </p:style>
+            <p:txBody>
+              <a:bodyPr rtlCol="0" anchor="ctr"/>
+              <a:lstStyle/>
+              <a:p>
+                <a:pPr algn="ctr"/>
+                <a:endParaRPr lang="en-US"/>
+              </a:p>
+            </p:txBody>
+          </p:sp>
+          <p:sp>
+            <p:nvSpPr>
+              <p:cNvPr id="15" name="TextBox 14">
+                <a:extLst>
+                  <a:ext uri="{FF2B5EF4-FFF2-40B4-BE49-F238E27FC236}">
+                    <a16:creationId xmlns:a16="http://schemas.microsoft.com/office/drawing/2014/main" id="{D16FE3E0-006A-244E-A41D-DF4996D46B43}"/>
+                  </a:ext>
+                </a:extLst>
+              </p:cNvPr>
+              <p:cNvSpPr txBox="1"/>
+              <p:nvPr/>
+            </p:nvSpPr>
+            <p:spPr>
+              <a:xfrm rot="16200000">
+                <a:off x="2405620" y="4284543"/>
+                <a:ext cx="4367170" cy="369332"/>
+              </a:xfrm>
+              <a:prstGeom prst="rect">
+                <a:avLst/>
+              </a:prstGeom>
+              <a:noFill/>
+            </p:spPr>
+            <p:txBody>
+              <a:bodyPr wrap="square" rtlCol="0">
+                <a:spAutoFit/>
+              </a:bodyPr>
+              <a:lstStyle/>
+              <a:p>
+                <a:pPr algn="ctr"/>
+                <a:r>
+                  <a:rPr lang="en-US" b="1" dirty="0"/>
+                  <a:t>Long Reads</a:t>
+                </a:r>
+              </a:p>
+            </p:txBody>
+          </p:sp>
+          <p:sp>
+            <p:nvSpPr>
+              <p:cNvPr id="16" name="TextBox 15">
+                <a:extLst>
+                  <a:ext uri="{FF2B5EF4-FFF2-40B4-BE49-F238E27FC236}">
+                    <a16:creationId xmlns:a16="http://schemas.microsoft.com/office/drawing/2014/main" id="{8E2953AD-F8FC-C04F-B7A8-A4974D2F2852}"/>
+                  </a:ext>
+                </a:extLst>
+              </p:cNvPr>
+              <p:cNvSpPr txBox="1"/>
+              <p:nvPr/>
+            </p:nvSpPr>
+            <p:spPr>
+              <a:xfrm>
+                <a:off x="4867275" y="2411644"/>
+                <a:ext cx="2917214" cy="338554"/>
+              </a:xfrm>
+              <a:prstGeom prst="rect">
+                <a:avLst/>
+              </a:prstGeom>
+              <a:noFill/>
+            </p:spPr>
+            <p:txBody>
+              <a:bodyPr wrap="square" rtlCol="0">
+                <a:spAutoFit/>
+              </a:bodyPr>
+              <a:lstStyle/>
+              <a:p>
+                <a:r>
+                  <a:rPr lang="en-US" sz="1600" b="1" dirty="0"/>
+                  <a:t>Systems Administration</a:t>
+                </a:r>
+              </a:p>
+            </p:txBody>
+          </p:sp>
+          <p:sp>
+            <p:nvSpPr>
+              <p:cNvPr id="17" name="TextBox 16">
+                <a:extLst>
+                  <a:ext uri="{FF2B5EF4-FFF2-40B4-BE49-F238E27FC236}">
+                    <a16:creationId xmlns:a16="http://schemas.microsoft.com/office/drawing/2014/main" id="{FF6DA30C-17B2-0541-9BD1-63C02CA3C6BD}"/>
+                  </a:ext>
+                </a:extLst>
+              </p:cNvPr>
+              <p:cNvSpPr txBox="1"/>
+              <p:nvPr/>
+            </p:nvSpPr>
+            <p:spPr>
+              <a:xfrm>
+                <a:off x="4867275" y="2749140"/>
+                <a:ext cx="2529094" cy="830997"/>
+              </a:xfrm>
+              <a:prstGeom prst="rect">
+                <a:avLst/>
+              </a:prstGeom>
+              <a:noFill/>
+            </p:spPr>
+            <p:txBody>
+              <a:bodyPr wrap="square" rtlCol="0">
+                <a:spAutoFit/>
+              </a:bodyPr>
+              <a:lstStyle/>
+              <a:p>
+                <a:r>
+                  <a:rPr lang="en-US" sz="1600" dirty="0"/>
+                  <a:t>Mike Lewis</a:t>
+                </a:r>
+              </a:p>
+              <a:p>
+                <a:r>
+                  <a:rPr lang="en-US" sz="1600" dirty="0"/>
+                  <a:t>Richard </a:t>
+                </a:r>
+                <a:r>
+                  <a:rPr lang="en-US" sz="1600" dirty="0" err="1"/>
+                  <a:t>Feltstykket</a:t>
+                </a:r>
+                <a:endParaRPr lang="en-US" sz="1600" dirty="0"/>
+              </a:p>
+              <a:p>
+                <a:r>
+                  <a:rPr lang="en-US" sz="1600" dirty="0"/>
+                  <a:t>Tom </a:t>
+                </a:r>
+                <a:r>
+                  <a:rPr lang="en-US" sz="1600" dirty="0" err="1"/>
+                  <a:t>Neubarth</a:t>
+                </a:r>
+                <a:endParaRPr lang="en-US" sz="1600" dirty="0"/>
+              </a:p>
+            </p:txBody>
+          </p:sp>
+          <p:sp>
+            <p:nvSpPr>
+              <p:cNvPr id="18" name="TextBox 17">
+                <a:extLst>
+                  <a:ext uri="{FF2B5EF4-FFF2-40B4-BE49-F238E27FC236}">
+                    <a16:creationId xmlns:a16="http://schemas.microsoft.com/office/drawing/2014/main" id="{77179934-A3A9-B941-9F0E-0B13DDCD3BFB}"/>
+                  </a:ext>
+                </a:extLst>
+              </p:cNvPr>
+              <p:cNvSpPr txBox="1"/>
+              <p:nvPr/>
+            </p:nvSpPr>
+            <p:spPr>
+              <a:xfrm>
+                <a:off x="4898822" y="4894039"/>
+                <a:ext cx="2529094" cy="338554"/>
+              </a:xfrm>
+              <a:prstGeom prst="rect">
+                <a:avLst/>
+              </a:prstGeom>
+              <a:noFill/>
+            </p:spPr>
+            <p:txBody>
+              <a:bodyPr wrap="square" rtlCol="0">
+                <a:spAutoFit/>
+              </a:bodyPr>
+              <a:lstStyle/>
+              <a:p>
+                <a:r>
+                  <a:rPr lang="en-US" sz="1600" b="1" dirty="0"/>
+                  <a:t>Applications</a:t>
+                </a:r>
+              </a:p>
+            </p:txBody>
+          </p:sp>
+          <p:sp>
+            <p:nvSpPr>
+              <p:cNvPr id="19" name="TextBox 18">
+                <a:extLst>
+                  <a:ext uri="{FF2B5EF4-FFF2-40B4-BE49-F238E27FC236}">
+                    <a16:creationId xmlns:a16="http://schemas.microsoft.com/office/drawing/2014/main" id="{FB50B063-AEB3-8649-99A0-33FC7856FC44}"/>
+                  </a:ext>
+                </a:extLst>
+              </p:cNvPr>
+              <p:cNvSpPr txBox="1"/>
+              <p:nvPr/>
+            </p:nvSpPr>
+            <p:spPr>
+              <a:xfrm>
+                <a:off x="4889664" y="5209251"/>
+                <a:ext cx="2529094" cy="338554"/>
+              </a:xfrm>
+              <a:prstGeom prst="rect">
+                <a:avLst/>
+              </a:prstGeom>
+              <a:noFill/>
+            </p:spPr>
+            <p:txBody>
+              <a:bodyPr wrap="square" rtlCol="0">
+                <a:spAutoFit/>
+              </a:bodyPr>
+              <a:lstStyle/>
+              <a:p>
+                <a:r>
+                  <a:rPr lang="en-US" sz="1600" dirty="0"/>
+                  <a:t>Adam </a:t>
+                </a:r>
+                <a:r>
+                  <a:rPr lang="en-US" sz="1600" dirty="0" err="1"/>
+                  <a:t>Schaal</a:t>
+                </a:r>
+                <a:r>
+                  <a:rPr lang="en-US" sz="1600" dirty="0"/>
+                  <a:t> (25%)</a:t>
+                </a:r>
+              </a:p>
+            </p:txBody>
+          </p:sp>
+          <p:sp>
+            <p:nvSpPr>
+              <p:cNvPr id="20" name="TextBox 19">
+                <a:extLst>
+                  <a:ext uri="{FF2B5EF4-FFF2-40B4-BE49-F238E27FC236}">
+                    <a16:creationId xmlns:a16="http://schemas.microsoft.com/office/drawing/2014/main" id="{BEF4A959-AB41-2248-85A4-BDE21390B659}"/>
+                  </a:ext>
+                </a:extLst>
+              </p:cNvPr>
+              <p:cNvSpPr txBox="1"/>
+              <p:nvPr/>
+            </p:nvSpPr>
+            <p:spPr>
+              <a:xfrm>
+                <a:off x="4867275" y="5605117"/>
+                <a:ext cx="2529094" cy="338554"/>
+              </a:xfrm>
+              <a:prstGeom prst="rect">
+                <a:avLst/>
+              </a:prstGeom>
+              <a:noFill/>
+            </p:spPr>
+            <p:txBody>
+              <a:bodyPr wrap="square" rtlCol="0">
+                <a:spAutoFit/>
+              </a:bodyPr>
+              <a:lstStyle/>
+              <a:p>
+                <a:r>
+                  <a:rPr lang="en-US" sz="1600" dirty="0"/>
+                  <a:t>Undergraduate assistant(s)</a:t>
+                </a:r>
+              </a:p>
+            </p:txBody>
+          </p:sp>
+          <p:sp>
+            <p:nvSpPr>
+              <p:cNvPr id="21" name="TextBox 20">
+                <a:extLst>
+                  <a:ext uri="{FF2B5EF4-FFF2-40B4-BE49-F238E27FC236}">
+                    <a16:creationId xmlns:a16="http://schemas.microsoft.com/office/drawing/2014/main" id="{662B2F39-75E8-2D43-A065-753E0F673A22}"/>
+                  </a:ext>
+                </a:extLst>
+              </p:cNvPr>
+              <p:cNvSpPr txBox="1"/>
+              <p:nvPr/>
+            </p:nvSpPr>
+            <p:spPr>
+              <a:xfrm>
+                <a:off x="4898822" y="3931512"/>
+                <a:ext cx="3113875" cy="338554"/>
+              </a:xfrm>
+              <a:prstGeom prst="rect">
+                <a:avLst/>
+              </a:prstGeom>
+              <a:noFill/>
+            </p:spPr>
+            <p:txBody>
+              <a:bodyPr wrap="square" rtlCol="0">
+                <a:spAutoFit/>
+              </a:bodyPr>
+              <a:lstStyle/>
+              <a:p>
+                <a:r>
+                  <a:rPr lang="en-US" sz="1600" b="1" dirty="0"/>
+                  <a:t>Software Maintenance</a:t>
+                </a:r>
+              </a:p>
+            </p:txBody>
+          </p:sp>
+          <p:sp>
+            <p:nvSpPr>
+              <p:cNvPr id="22" name="TextBox 21">
+                <a:extLst>
+                  <a:ext uri="{FF2B5EF4-FFF2-40B4-BE49-F238E27FC236}">
+                    <a16:creationId xmlns:a16="http://schemas.microsoft.com/office/drawing/2014/main" id="{A50F990B-D24B-8F49-A083-BAEBC837B68D}"/>
+                  </a:ext>
+                </a:extLst>
+              </p:cNvPr>
+              <p:cNvSpPr txBox="1"/>
+              <p:nvPr/>
+            </p:nvSpPr>
+            <p:spPr>
+              <a:xfrm>
+                <a:off x="4898822" y="4267926"/>
+                <a:ext cx="2529094" cy="338554"/>
+              </a:xfrm>
+              <a:prstGeom prst="rect">
+                <a:avLst/>
+              </a:prstGeom>
+              <a:noFill/>
+            </p:spPr>
+            <p:txBody>
+              <a:bodyPr wrap="square" rtlCol="0">
+                <a:spAutoFit/>
+              </a:bodyPr>
+              <a:lstStyle/>
+              <a:p>
+                <a:r>
+                  <a:rPr lang="en-US" sz="1600" dirty="0"/>
+                  <a:t>Nik Joshi (25%)</a:t>
+                </a:r>
+              </a:p>
+            </p:txBody>
+          </p:sp>
+          <p:sp>
+            <p:nvSpPr>
+              <p:cNvPr id="23" name="Rectangle 22">
+                <a:extLst>
+                  <a:ext uri="{FF2B5EF4-FFF2-40B4-BE49-F238E27FC236}">
+                    <a16:creationId xmlns:a16="http://schemas.microsoft.com/office/drawing/2014/main" id="{99626AB6-B4EA-8E49-9AB3-D01C1EEAB44F}"/>
+                  </a:ext>
+                </a:extLst>
+              </p:cNvPr>
+              <p:cNvSpPr/>
+              <p:nvPr/>
+            </p:nvSpPr>
+            <p:spPr>
+              <a:xfrm>
+                <a:off x="8373128" y="2263675"/>
+                <a:ext cx="3657600" cy="4389120"/>
+              </a:xfrm>
+              <a:prstGeom prst="rect">
+                <a:avLst/>
+              </a:prstGeom>
+              <a:solidFill>
+                <a:schemeClr val="accent2">
+                  <a:alpha val="50000"/>
+                </a:schemeClr>
+              </a:solidFill>
+            </p:spPr>
+            <p:style>
+              <a:lnRef idx="2">
+                <a:schemeClr val="accent1">
+                  <a:shade val="50000"/>
+                </a:schemeClr>
+              </a:lnRef>
+              <a:fillRef idx="1">
+                <a:schemeClr val="accent1"/>
+              </a:fillRef>
+              <a:effectRef idx="0">
+                <a:schemeClr val="accent1"/>
+              </a:effectRef>
+              <a:fontRef idx="minor">
+                <a:schemeClr val="lt1"/>
+              </a:fontRef>
+            </p:style>
+            <p:txBody>
+              <a:bodyPr rtlCol="0" anchor="ctr"/>
+              <a:lstStyle/>
+              <a:p>
+                <a:pPr algn="ctr"/>
+                <a:endParaRPr lang="en-US"/>
+              </a:p>
+            </p:txBody>
+          </p:sp>
+          <p:sp>
+            <p:nvSpPr>
+              <p:cNvPr id="24" name="TextBox 23">
+                <a:extLst>
+                  <a:ext uri="{FF2B5EF4-FFF2-40B4-BE49-F238E27FC236}">
+                    <a16:creationId xmlns:a16="http://schemas.microsoft.com/office/drawing/2014/main" id="{10D0866A-A233-F940-BB0C-B4A2D323B327}"/>
+                  </a:ext>
+                </a:extLst>
+              </p:cNvPr>
+              <p:cNvSpPr txBox="1"/>
+              <p:nvPr/>
+            </p:nvSpPr>
+            <p:spPr>
+              <a:xfrm rot="16200000">
+                <a:off x="6359921" y="4284542"/>
+                <a:ext cx="4367171" cy="369332"/>
+              </a:xfrm>
+              <a:prstGeom prst="rect">
+                <a:avLst/>
+              </a:prstGeom>
+              <a:noFill/>
+            </p:spPr>
+            <p:txBody>
+              <a:bodyPr wrap="square" rtlCol="0">
+                <a:spAutoFit/>
+              </a:bodyPr>
+              <a:lstStyle/>
+              <a:p>
+                <a:pPr algn="ctr"/>
+                <a:r>
+                  <a:rPr lang="en-US" b="1" dirty="0"/>
+                  <a:t>Software Development</a:t>
+                </a:r>
+              </a:p>
+            </p:txBody>
+          </p:sp>
+          <p:sp>
+            <p:nvSpPr>
+              <p:cNvPr id="25" name="TextBox 24">
+                <a:extLst>
+                  <a:ext uri="{FF2B5EF4-FFF2-40B4-BE49-F238E27FC236}">
+                    <a16:creationId xmlns:a16="http://schemas.microsoft.com/office/drawing/2014/main" id="{58BD027E-C636-C542-9C59-7F641F1EF7B1}"/>
+                  </a:ext>
+                </a:extLst>
+              </p:cNvPr>
+              <p:cNvSpPr txBox="1"/>
+              <p:nvPr/>
+            </p:nvSpPr>
+            <p:spPr>
+              <a:xfrm>
+                <a:off x="8824706" y="2411644"/>
+                <a:ext cx="2529094" cy="338554"/>
+              </a:xfrm>
+              <a:prstGeom prst="rect">
+                <a:avLst/>
+              </a:prstGeom>
+              <a:noFill/>
+            </p:spPr>
+            <p:txBody>
+              <a:bodyPr wrap="square" rtlCol="0">
+                <a:spAutoFit/>
+              </a:bodyPr>
+              <a:lstStyle/>
+              <a:p>
+                <a:r>
+                  <a:rPr lang="en-US" sz="1600" b="1" dirty="0"/>
+                  <a:t>Software</a:t>
+                </a:r>
+              </a:p>
+            </p:txBody>
+          </p:sp>
+          <p:sp>
+            <p:nvSpPr>
+              <p:cNvPr id="28" name="TextBox 27">
+                <a:extLst>
+                  <a:ext uri="{FF2B5EF4-FFF2-40B4-BE49-F238E27FC236}">
+                    <a16:creationId xmlns:a16="http://schemas.microsoft.com/office/drawing/2014/main" id="{F04E2736-BE5A-A046-A13F-57C5F491110D}"/>
+                  </a:ext>
+                </a:extLst>
+              </p:cNvPr>
+              <p:cNvSpPr txBox="1"/>
+              <p:nvPr/>
+            </p:nvSpPr>
+            <p:spPr>
+              <a:xfrm>
+                <a:off x="8824706" y="2723907"/>
+                <a:ext cx="2529094" cy="338554"/>
+              </a:xfrm>
+              <a:prstGeom prst="rect">
+                <a:avLst/>
+              </a:prstGeom>
+              <a:noFill/>
+            </p:spPr>
+            <p:txBody>
+              <a:bodyPr wrap="square" rtlCol="0">
+                <a:spAutoFit/>
+              </a:bodyPr>
+              <a:lstStyle/>
+              <a:p>
+                <a:r>
+                  <a:rPr lang="en-US" sz="1600" dirty="0"/>
+                  <a:t>Adam </a:t>
+                </a:r>
+                <a:r>
+                  <a:rPr lang="en-US" sz="1600" dirty="0" err="1"/>
+                  <a:t>Schaal</a:t>
+                </a:r>
+                <a:r>
+                  <a:rPr lang="en-US" sz="1600" dirty="0"/>
+                  <a:t> (75%)</a:t>
+                </a:r>
+              </a:p>
+            </p:txBody>
+          </p:sp>
+          <p:sp>
+            <p:nvSpPr>
+              <p:cNvPr id="27" name="TextBox 26">
+                <a:extLst>
+                  <a:ext uri="{FF2B5EF4-FFF2-40B4-BE49-F238E27FC236}">
+                    <a16:creationId xmlns:a16="http://schemas.microsoft.com/office/drawing/2014/main" id="{A735E8F3-12B3-254F-B768-0090F43E1565}"/>
+                  </a:ext>
+                </a:extLst>
+              </p:cNvPr>
+              <p:cNvSpPr txBox="1"/>
+              <p:nvPr/>
+            </p:nvSpPr>
+            <p:spPr>
+              <a:xfrm>
+                <a:off x="771654" y="5218758"/>
+                <a:ext cx="3990494" cy="338554"/>
+              </a:xfrm>
+              <a:prstGeom prst="rect">
+                <a:avLst/>
+              </a:prstGeom>
+              <a:noFill/>
+            </p:spPr>
+            <p:txBody>
+              <a:bodyPr wrap="square" rtlCol="0">
+                <a:spAutoFit/>
+              </a:bodyPr>
+              <a:lstStyle/>
+              <a:p>
+                <a:r>
+                  <a:rPr lang="en-US" sz="1600" b="1" dirty="0"/>
+                  <a:t>Graduate Student Researcher(s)</a:t>
+                </a:r>
+              </a:p>
+            </p:txBody>
+          </p:sp>
+          <p:sp>
+            <p:nvSpPr>
+              <p:cNvPr id="29" name="TextBox 28">
+                <a:extLst>
+                  <a:ext uri="{FF2B5EF4-FFF2-40B4-BE49-F238E27FC236}">
+                    <a16:creationId xmlns:a16="http://schemas.microsoft.com/office/drawing/2014/main" id="{0B71F8BE-4460-404B-AA46-8A6875AB3A5B}"/>
+                  </a:ext>
+                </a:extLst>
+              </p:cNvPr>
+              <p:cNvSpPr txBox="1"/>
+              <p:nvPr/>
+            </p:nvSpPr>
+            <p:spPr>
+              <a:xfrm>
+                <a:off x="778901" y="5537495"/>
+                <a:ext cx="3018874" cy="338554"/>
+              </a:xfrm>
+              <a:prstGeom prst="rect">
+                <a:avLst/>
+              </a:prstGeom>
+              <a:noFill/>
+            </p:spPr>
+            <p:txBody>
+              <a:bodyPr wrap="square" rtlCol="0">
+                <a:spAutoFit/>
+              </a:bodyPr>
+              <a:lstStyle/>
+              <a:p>
+                <a:r>
+                  <a:rPr lang="en-US" sz="1600" dirty="0"/>
+                  <a:t>Keith Mitchell</a:t>
+                </a:r>
+              </a:p>
+            </p:txBody>
+          </p:sp>
+          <p:sp>
+            <p:nvSpPr>
+              <p:cNvPr id="30" name="TextBox 29">
+                <a:extLst>
+                  <a:ext uri="{FF2B5EF4-FFF2-40B4-BE49-F238E27FC236}">
+                    <a16:creationId xmlns:a16="http://schemas.microsoft.com/office/drawing/2014/main" id="{42DC3DD6-0856-CB45-BEC9-665A9A592F2E}"/>
+                  </a:ext>
+                </a:extLst>
+              </p:cNvPr>
+              <p:cNvSpPr txBox="1"/>
+              <p:nvPr/>
+            </p:nvSpPr>
+            <p:spPr>
+              <a:xfrm>
+                <a:off x="2039817" y="1899138"/>
+                <a:ext cx="184731" cy="369332"/>
+              </a:xfrm>
+              <a:prstGeom prst="rect">
+                <a:avLst/>
+              </a:prstGeom>
+              <a:noFill/>
+            </p:spPr>
+            <p:txBody>
+              <a:bodyPr wrap="none" rtlCol="0">
+                <a:spAutoFit/>
+              </a:bodyPr>
+              <a:lstStyle/>
+              <a:p>
+                <a:endParaRPr lang="en-US" dirty="0"/>
+              </a:p>
+            </p:txBody>
+          </p:sp>
+        </p:grpSp>
+        <p:sp>
+          <p:nvSpPr>
+            <p:cNvPr id="31" name="TextBox 30">
+              <a:extLst>
+                <a:ext uri="{FF2B5EF4-FFF2-40B4-BE49-F238E27FC236}">
+                  <a16:creationId xmlns:a16="http://schemas.microsoft.com/office/drawing/2014/main" id="{CBAF74B6-2319-9A4C-ABA2-B48EA8B7555C}"/>
+                </a:ext>
+              </a:extLst>
+            </p:cNvPr>
+            <p:cNvSpPr txBox="1"/>
+            <p:nvPr/>
+          </p:nvSpPr>
+          <p:spPr>
+            <a:xfrm>
+              <a:off x="767251" y="4503800"/>
+              <a:ext cx="3249165" cy="338554"/>
+            </a:xfrm>
+            <a:prstGeom prst="rect">
+              <a:avLst/>
+            </a:prstGeom>
+            <a:noFill/>
+          </p:spPr>
+          <p:txBody>
+            <a:bodyPr wrap="square" rtlCol="0">
+              <a:spAutoFit/>
+            </a:bodyPr>
+            <a:lstStyle/>
+            <a:p>
+              <a:r>
+                <a:rPr lang="en-US" sz="1600" b="1" dirty="0"/>
+                <a:t>Education Coordinator</a:t>
+              </a:r>
+            </a:p>
+          </p:txBody>
+        </p:sp>
+        <p:sp>
+          <p:nvSpPr>
+            <p:cNvPr id="32" name="TextBox 31">
+              <a:extLst>
+                <a:ext uri="{FF2B5EF4-FFF2-40B4-BE49-F238E27FC236}">
+                  <a16:creationId xmlns:a16="http://schemas.microsoft.com/office/drawing/2014/main" id="{84657D92-C494-064B-ABE4-2383BE88CA1C}"/>
+                </a:ext>
+              </a:extLst>
+            </p:cNvPr>
+            <p:cNvSpPr txBox="1"/>
+            <p:nvPr/>
+          </p:nvSpPr>
+          <p:spPr>
+            <a:xfrm>
+              <a:off x="767179" y="4842710"/>
+              <a:ext cx="3369887" cy="338554"/>
+            </a:xfrm>
+            <a:prstGeom prst="rect">
+              <a:avLst/>
+            </a:prstGeom>
+            <a:noFill/>
+          </p:spPr>
+          <p:txBody>
+            <a:bodyPr wrap="square" rtlCol="0">
+              <a:spAutoFit/>
+            </a:bodyPr>
+            <a:lstStyle/>
+            <a:p>
+              <a:r>
+                <a:rPr lang="en-US" sz="1600"/>
+                <a:t>Dr. Hannah </a:t>
+              </a:r>
+              <a:r>
+                <a:rPr lang="en-US" sz="1600" dirty="0"/>
+                <a:t>Lyman</a:t>
+              </a:r>
+            </a:p>
+          </p:txBody>
+        </p:sp>
+      </p:grpSp>
+    </p:spTree>
+    <p:extLst>
+      <p:ext uri="{BB962C8B-B14F-4D97-AF65-F5344CB8AC3E}">
+        <p14:creationId xmlns:p14="http://schemas.microsoft.com/office/powerpoint/2010/main" val="2237020287"/>
+      </p:ext>
+    </p:extLst>
+  </p:cSld>
+  <p:clrMapOvr>
+    <a:masterClrMapping/>
+  </p:clrMapOvr>
+</p:sld>
+</file>
+
 <file path=ppt/theme/theme1.xml><?xml version="1.0" encoding="utf-8"?>
 <a:theme xmlns:a="http://schemas.openxmlformats.org/drawingml/2006/main" name="Office Theme">
   <a:themeElements>

--- a/misc/staff.pptx
+++ b/misc/staff.pptx
@@ -271,7 +271,7 @@
           <a:p>
             <a:fld id="{AD3F6B16-F2DC-F743-A09D-8B0300CDAED8}" type="datetimeFigureOut">
               <a:rPr lang="en-US" smtClean="0"/>
-              <a:t>9/28/20</a:t>
+              <a:t>3/21/21</a:t>
             </a:fld>
             <a:endParaRPr lang="en-US"/>
           </a:p>
@@ -469,7 +469,7 @@
           <a:p>
             <a:fld id="{AD3F6B16-F2DC-F743-A09D-8B0300CDAED8}" type="datetimeFigureOut">
               <a:rPr lang="en-US" smtClean="0"/>
-              <a:t>9/28/20</a:t>
+              <a:t>3/21/21</a:t>
             </a:fld>
             <a:endParaRPr lang="en-US"/>
           </a:p>
@@ -677,7 +677,7 @@
           <a:p>
             <a:fld id="{AD3F6B16-F2DC-F743-A09D-8B0300CDAED8}" type="datetimeFigureOut">
               <a:rPr lang="en-US" smtClean="0"/>
-              <a:t>9/28/20</a:t>
+              <a:t>3/21/21</a:t>
             </a:fld>
             <a:endParaRPr lang="en-US"/>
           </a:p>
@@ -875,7 +875,7 @@
           <a:p>
             <a:fld id="{AD3F6B16-F2DC-F743-A09D-8B0300CDAED8}" type="datetimeFigureOut">
               <a:rPr lang="en-US" smtClean="0"/>
-              <a:t>9/28/20</a:t>
+              <a:t>3/21/21</a:t>
             </a:fld>
             <a:endParaRPr lang="en-US"/>
           </a:p>
@@ -1150,7 +1150,7 @@
           <a:p>
             <a:fld id="{AD3F6B16-F2DC-F743-A09D-8B0300CDAED8}" type="datetimeFigureOut">
               <a:rPr lang="en-US" smtClean="0"/>
-              <a:t>9/28/20</a:t>
+              <a:t>3/21/21</a:t>
             </a:fld>
             <a:endParaRPr lang="en-US"/>
           </a:p>
@@ -1415,7 +1415,7 @@
           <a:p>
             <a:fld id="{AD3F6B16-F2DC-F743-A09D-8B0300CDAED8}" type="datetimeFigureOut">
               <a:rPr lang="en-US" smtClean="0"/>
-              <a:t>9/28/20</a:t>
+              <a:t>3/21/21</a:t>
             </a:fld>
             <a:endParaRPr lang="en-US"/>
           </a:p>
@@ -1827,7 +1827,7 @@
           <a:p>
             <a:fld id="{AD3F6B16-F2DC-F743-A09D-8B0300CDAED8}" type="datetimeFigureOut">
               <a:rPr lang="en-US" smtClean="0"/>
-              <a:t>9/28/20</a:t>
+              <a:t>3/21/21</a:t>
             </a:fld>
             <a:endParaRPr lang="en-US"/>
           </a:p>
@@ -1968,7 +1968,7 @@
           <a:p>
             <a:fld id="{AD3F6B16-F2DC-F743-A09D-8B0300CDAED8}" type="datetimeFigureOut">
               <a:rPr lang="en-US" smtClean="0"/>
-              <a:t>9/28/20</a:t>
+              <a:t>3/21/21</a:t>
             </a:fld>
             <a:endParaRPr lang="en-US"/>
           </a:p>
@@ -2081,7 +2081,7 @@
           <a:p>
             <a:fld id="{AD3F6B16-F2DC-F743-A09D-8B0300CDAED8}" type="datetimeFigureOut">
               <a:rPr lang="en-US" smtClean="0"/>
-              <a:t>9/28/20</a:t>
+              <a:t>3/21/21</a:t>
             </a:fld>
             <a:endParaRPr lang="en-US"/>
           </a:p>
@@ -2392,7 +2392,7 @@
           <a:p>
             <a:fld id="{AD3F6B16-F2DC-F743-A09D-8B0300CDAED8}" type="datetimeFigureOut">
               <a:rPr lang="en-US" smtClean="0"/>
-              <a:t>9/28/20</a:t>
+              <a:t>3/21/21</a:t>
             </a:fld>
             <a:endParaRPr lang="en-US"/>
           </a:p>
@@ -2680,7 +2680,7 @@
           <a:p>
             <a:fld id="{AD3F6B16-F2DC-F743-A09D-8B0300CDAED8}" type="datetimeFigureOut">
               <a:rPr lang="en-US" smtClean="0"/>
-              <a:t>9/28/20</a:t>
+              <a:t>3/21/21</a:t>
             </a:fld>
             <a:endParaRPr lang="en-US"/>
           </a:p>
@@ -2921,7 +2921,7 @@
           <a:p>
             <a:fld id="{AD3F6B16-F2DC-F743-A09D-8B0300CDAED8}" type="datetimeFigureOut">
               <a:rPr lang="en-US" smtClean="0"/>
-              <a:t>9/28/20</a:t>
+              <a:t>3/21/21</a:t>
             </a:fld>
             <a:endParaRPr lang="en-US"/>
           </a:p>
@@ -3626,7 +3626,7 @@
             <p:spPr>
               <a:xfrm>
                 <a:off x="741766" y="2723907"/>
-                <a:ext cx="3274651" cy="1077218"/>
+                <a:ext cx="3274651" cy="830997"/>
               </a:xfrm>
               <a:prstGeom prst="rect">
                 <a:avLst/>
@@ -3638,12 +3638,6 @@
                 <a:spAutoFit/>
               </a:bodyPr>
               <a:lstStyle/>
-              <a:p>
-                <a:r>
-                  <a:rPr lang="en-US" sz="1600" dirty="0"/>
-                  <a:t>Dr. Samuel Hunter</a:t>
-                </a:r>
-              </a:p>
               <a:p>
                 <a:r>
                   <a:rPr lang="en-US" sz="1600" dirty="0"/>
@@ -3678,7 +3672,7 @@
             </p:nvSpPr>
             <p:spPr>
               <a:xfrm>
-                <a:off x="767251" y="3812142"/>
+                <a:off x="767251" y="3502647"/>
                 <a:ext cx="1843088" cy="338554"/>
               </a:xfrm>
               <a:prstGeom prst="rect">
@@ -3713,7 +3707,7 @@
             </p:nvSpPr>
             <p:spPr>
               <a:xfrm>
-                <a:off x="767178" y="4151052"/>
+                <a:off x="767178" y="3841557"/>
                 <a:ext cx="3369887" cy="338554"/>
               </a:xfrm>
               <a:prstGeom prst="rect">
@@ -3748,8 +3742,8 @@
             </p:nvSpPr>
             <p:spPr>
               <a:xfrm>
-                <a:off x="767178" y="5850355"/>
-                <a:ext cx="2462730" cy="584775"/>
+                <a:off x="767178" y="5540860"/>
+                <a:ext cx="2462730" cy="830997"/>
               </a:xfrm>
               <a:prstGeom prst="rect">
                 <a:avLst/>
@@ -3765,6 +3759,12 @@
                 <a:r>
                   <a:rPr lang="en-US" sz="1600" dirty="0"/>
                   <a:t>Undergraduate assistant(s)</a:t>
+                </a:r>
+              </a:p>
+              <a:p>
+                <a:r>
+                  <a:rPr lang="en-US" sz="1600" dirty="0"/>
+                  <a:t>Bradley Jenner</a:t>
                 </a:r>
               </a:p>
               <a:p>
@@ -4316,7 +4316,7 @@
             </p:nvSpPr>
             <p:spPr>
               <a:xfrm>
-                <a:off x="771654" y="5218758"/>
+                <a:off x="771654" y="4909263"/>
                 <a:ext cx="3990494" cy="338554"/>
               </a:xfrm>
               <a:prstGeom prst="rect">
@@ -4351,7 +4351,7 @@
             </p:nvSpPr>
             <p:spPr>
               <a:xfrm>
-                <a:off x="778901" y="5537495"/>
+                <a:off x="778901" y="5228000"/>
                 <a:ext cx="3018874" cy="338554"/>
               </a:xfrm>
               <a:prstGeom prst="rect">
@@ -4419,7 +4419,7 @@
           </p:nvSpPr>
           <p:spPr>
             <a:xfrm>
-              <a:off x="767251" y="4503800"/>
+              <a:off x="767251" y="4194305"/>
               <a:ext cx="3249165" cy="338554"/>
             </a:xfrm>
             <a:prstGeom prst="rect">
@@ -4454,7 +4454,7 @@
           </p:nvSpPr>
           <p:spPr>
             <a:xfrm>
-              <a:off x="767179" y="4842710"/>
+              <a:off x="767179" y="4533215"/>
               <a:ext cx="3369887" cy="338554"/>
             </a:xfrm>
             <a:prstGeom prst="rect">
@@ -4480,6 +4480,46 @@
           </p:txBody>
         </p:sp>
       </p:grpSp>
+      <p:sp>
+        <p:nvSpPr>
+          <p:cNvPr id="26" name="TextBox 25">
+            <a:extLst>
+              <a:ext uri="{FF2B5EF4-FFF2-40B4-BE49-F238E27FC236}">
+                <a16:creationId xmlns:a16="http://schemas.microsoft.com/office/drawing/2014/main" id="{3F75CE97-68B1-3C42-B3E1-3AF56F13F21B}"/>
+              </a:ext>
+            </a:extLst>
+          </p:cNvPr>
+          <p:cNvSpPr txBox="1"/>
+          <p:nvPr/>
+        </p:nvSpPr>
+        <p:spPr>
+          <a:xfrm>
+            <a:off x="4418827" y="6133433"/>
+            <a:ext cx="3749039" cy="369332"/>
+          </a:xfrm>
+          <a:prstGeom prst="rect">
+            <a:avLst/>
+          </a:prstGeom>
+          <a:noFill/>
+        </p:spPr>
+        <p:txBody>
+          <a:bodyPr wrap="square" rtlCol="0">
+            <a:spAutoFit/>
+          </a:bodyPr>
+          <a:lstStyle/>
+          <a:p>
+            <a:pPr algn="ctr"/>
+            <a:r>
+              <a:rPr lang="en-US" dirty="0">
+                <a:solidFill>
+                  <a:srgbClr val="FF0000"/>
+                </a:solidFill>
+              </a:rPr>
+              <a:t>Transitioning to the new HPC Core</a:t>
+            </a:r>
+          </a:p>
+        </p:txBody>
+      </p:sp>
     </p:spTree>
     <p:extLst>
       <p:ext uri="{BB962C8B-B14F-4D97-AF65-F5344CB8AC3E}">

--- a/misc/staff.pptx
+++ b/misc/staff.pptx
@@ -271,7 +271,7 @@
           <a:p>
             <a:fld id="{AD3F6B16-F2DC-F743-A09D-8B0300CDAED8}" type="datetimeFigureOut">
               <a:rPr lang="en-US" smtClean="0"/>
-              <a:t>9/28/20</a:t>
+              <a:t>11/28/21</a:t>
             </a:fld>
             <a:endParaRPr lang="en-US"/>
           </a:p>
@@ -469,7 +469,7 @@
           <a:p>
             <a:fld id="{AD3F6B16-F2DC-F743-A09D-8B0300CDAED8}" type="datetimeFigureOut">
               <a:rPr lang="en-US" smtClean="0"/>
-              <a:t>9/28/20</a:t>
+              <a:t>11/28/21</a:t>
             </a:fld>
             <a:endParaRPr lang="en-US"/>
           </a:p>
@@ -677,7 +677,7 @@
           <a:p>
             <a:fld id="{AD3F6B16-F2DC-F743-A09D-8B0300CDAED8}" type="datetimeFigureOut">
               <a:rPr lang="en-US" smtClean="0"/>
-              <a:t>9/28/20</a:t>
+              <a:t>11/28/21</a:t>
             </a:fld>
             <a:endParaRPr lang="en-US"/>
           </a:p>
@@ -875,7 +875,7 @@
           <a:p>
             <a:fld id="{AD3F6B16-F2DC-F743-A09D-8B0300CDAED8}" type="datetimeFigureOut">
               <a:rPr lang="en-US" smtClean="0"/>
-              <a:t>9/28/20</a:t>
+              <a:t>11/28/21</a:t>
             </a:fld>
             <a:endParaRPr lang="en-US"/>
           </a:p>
@@ -1150,7 +1150,7 @@
           <a:p>
             <a:fld id="{AD3F6B16-F2DC-F743-A09D-8B0300CDAED8}" type="datetimeFigureOut">
               <a:rPr lang="en-US" smtClean="0"/>
-              <a:t>9/28/20</a:t>
+              <a:t>11/28/21</a:t>
             </a:fld>
             <a:endParaRPr lang="en-US"/>
           </a:p>
@@ -1415,7 +1415,7 @@
           <a:p>
             <a:fld id="{AD3F6B16-F2DC-F743-A09D-8B0300CDAED8}" type="datetimeFigureOut">
               <a:rPr lang="en-US" smtClean="0"/>
-              <a:t>9/28/20</a:t>
+              <a:t>11/28/21</a:t>
             </a:fld>
             <a:endParaRPr lang="en-US"/>
           </a:p>
@@ -1827,7 +1827,7 @@
           <a:p>
             <a:fld id="{AD3F6B16-F2DC-F743-A09D-8B0300CDAED8}" type="datetimeFigureOut">
               <a:rPr lang="en-US" smtClean="0"/>
-              <a:t>9/28/20</a:t>
+              <a:t>11/28/21</a:t>
             </a:fld>
             <a:endParaRPr lang="en-US"/>
           </a:p>
@@ -1968,7 +1968,7 @@
           <a:p>
             <a:fld id="{AD3F6B16-F2DC-F743-A09D-8B0300CDAED8}" type="datetimeFigureOut">
               <a:rPr lang="en-US" smtClean="0"/>
-              <a:t>9/28/20</a:t>
+              <a:t>11/28/21</a:t>
             </a:fld>
             <a:endParaRPr lang="en-US"/>
           </a:p>
@@ -2081,7 +2081,7 @@
           <a:p>
             <a:fld id="{AD3F6B16-F2DC-F743-A09D-8B0300CDAED8}" type="datetimeFigureOut">
               <a:rPr lang="en-US" smtClean="0"/>
-              <a:t>9/28/20</a:t>
+              <a:t>11/28/21</a:t>
             </a:fld>
             <a:endParaRPr lang="en-US"/>
           </a:p>
@@ -2392,7 +2392,7 @@
           <a:p>
             <a:fld id="{AD3F6B16-F2DC-F743-A09D-8B0300CDAED8}" type="datetimeFigureOut">
               <a:rPr lang="en-US" smtClean="0"/>
-              <a:t>9/28/20</a:t>
+              <a:t>11/28/21</a:t>
             </a:fld>
             <a:endParaRPr lang="en-US"/>
           </a:p>
@@ -2680,7 +2680,7 @@
           <a:p>
             <a:fld id="{AD3F6B16-F2DC-F743-A09D-8B0300CDAED8}" type="datetimeFigureOut">
               <a:rPr lang="en-US" smtClean="0"/>
-              <a:t>9/28/20</a:t>
+              <a:t>11/28/21</a:t>
             </a:fld>
             <a:endParaRPr lang="en-US"/>
           </a:p>
@@ -2921,7 +2921,7 @@
           <a:p>
             <a:fld id="{AD3F6B16-F2DC-F743-A09D-8B0300CDAED8}" type="datetimeFigureOut">
               <a:rPr lang="en-US" smtClean="0"/>
-              <a:t>9/28/20</a:t>
+              <a:t>11/28/21</a:t>
             </a:fld>
             <a:endParaRPr lang="en-US"/>
           </a:p>
@@ -3492,7 +3492,15 @@
                 <a:pPr algn="ctr"/>
                 <a:r>
                   <a:rPr lang="en-US" dirty="0"/>
-                  <a:t>Dr. Matt Settles</a:t>
+                  <a:t>Dr. </a:t>
+                </a:r>
+                <a:r>
+                  <a:rPr lang="en-US" dirty="0" err="1"/>
+                  <a:t>Jie</a:t>
+                </a:r>
+                <a:r>
+                  <a:rPr lang="en-US" dirty="0"/>
+                  <a:t> (Jessie) Li</a:t>
                 </a:r>
               </a:p>
             </p:txBody>
@@ -3641,13 +3649,21 @@
               <a:p>
                 <a:r>
                   <a:rPr lang="en-US" sz="1600" dirty="0"/>
-                  <a:t>Dr. Samuel Hunter</a:t>
-                </a:r>
-              </a:p>
-              <a:p>
+                  <a:t>Dr. </a:t>
+                </a:r>
+                <a:r>
+                  <a:rPr lang="en-US" sz="1600" dirty="0" err="1"/>
+                  <a:t>Jie</a:t>
+                </a:r>
                 <a:r>
                   <a:rPr lang="en-US" sz="1600" dirty="0"/>
-                  <a:t>Dr. Jessie Li</a:t>
+                  <a:t> (Jessie) Li</a:t>
+                </a:r>
+              </a:p>
+              <a:p>
+                <a:r>
+                  <a:rPr lang="en-US" sz="1600" dirty="0"/>
+                  <a:t>Dr. Hannah Lyman</a:t>
                 </a:r>
               </a:p>
               <a:p>
@@ -4469,17 +4485,64 @@
             <a:lstStyle/>
             <a:p>
               <a:r>
-                <a:rPr lang="en-US" sz="1600"/>
-                <a:t>Dr. Hannah </a:t>
-              </a:r>
-              <a:r>
                 <a:rPr lang="en-US" sz="1600" dirty="0"/>
-                <a:t>Lyman</a:t>
+                <a:t>Jess Randhawa</a:t>
               </a:r>
             </a:p>
           </p:txBody>
         </p:sp>
       </p:grpSp>
+      <p:sp>
+        <p:nvSpPr>
+          <p:cNvPr id="26" name="Rectangle 25">
+            <a:extLst>
+              <a:ext uri="{FF2B5EF4-FFF2-40B4-BE49-F238E27FC236}">
+                <a16:creationId xmlns:a16="http://schemas.microsoft.com/office/drawing/2014/main" id="{91A59901-45B0-A549-975F-EE26193797B9}"/>
+              </a:ext>
+            </a:extLst>
+          </p:cNvPr>
+          <p:cNvSpPr/>
+          <p:nvPr/>
+        </p:nvSpPr>
+        <p:spPr>
+          <a:xfrm>
+            <a:off x="4867274" y="2411644"/>
+            <a:ext cx="2298713" cy="1168493"/>
+          </a:xfrm>
+          <a:prstGeom prst="rect">
+            <a:avLst/>
+          </a:prstGeom>
+          <a:solidFill>
+            <a:schemeClr val="accent1">
+              <a:alpha val="25000"/>
+            </a:schemeClr>
+          </a:solidFill>
+        </p:spPr>
+        <p:style>
+          <a:lnRef idx="2">
+            <a:schemeClr val="accent1">
+              <a:shade val="50000"/>
+            </a:schemeClr>
+          </a:lnRef>
+          <a:fillRef idx="1">
+            <a:schemeClr val="accent1"/>
+          </a:fillRef>
+          <a:effectRef idx="0">
+            <a:schemeClr val="accent1"/>
+          </a:effectRef>
+          <a:fontRef idx="minor">
+            <a:schemeClr val="lt1"/>
+          </a:fontRef>
+        </p:style>
+        <p:txBody>
+          <a:bodyPr rtlCol="0" anchor="ctr"/>
+          <a:lstStyle/>
+          <a:p>
+            <a:pPr algn="ctr"/>
+            <a:endParaRPr lang="en-US"/>
+          </a:p>
+        </p:txBody>
+      </p:sp>
     </p:spTree>
     <p:extLst>
       <p:ext uri="{BB962C8B-B14F-4D97-AF65-F5344CB8AC3E}">

--- a/misc/staff.pptx
+++ b/misc/staff.pptx
@@ -271,7 +271,7 @@
           <a:p>
             <a:fld id="{AD3F6B16-F2DC-F743-A09D-8B0300CDAED8}" type="datetimeFigureOut">
               <a:rPr lang="en-US" smtClean="0"/>
-              <a:t>11/28/21</a:t>
+              <a:t>3/20/22</a:t>
             </a:fld>
             <a:endParaRPr lang="en-US"/>
           </a:p>
@@ -469,7 +469,7 @@
           <a:p>
             <a:fld id="{AD3F6B16-F2DC-F743-A09D-8B0300CDAED8}" type="datetimeFigureOut">
               <a:rPr lang="en-US" smtClean="0"/>
-              <a:t>11/28/21</a:t>
+              <a:t>3/20/22</a:t>
             </a:fld>
             <a:endParaRPr lang="en-US"/>
           </a:p>
@@ -677,7 +677,7 @@
           <a:p>
             <a:fld id="{AD3F6B16-F2DC-F743-A09D-8B0300CDAED8}" type="datetimeFigureOut">
               <a:rPr lang="en-US" smtClean="0"/>
-              <a:t>11/28/21</a:t>
+              <a:t>3/20/22</a:t>
             </a:fld>
             <a:endParaRPr lang="en-US"/>
           </a:p>
@@ -875,7 +875,7 @@
           <a:p>
             <a:fld id="{AD3F6B16-F2DC-F743-A09D-8B0300CDAED8}" type="datetimeFigureOut">
               <a:rPr lang="en-US" smtClean="0"/>
-              <a:t>11/28/21</a:t>
+              <a:t>3/20/22</a:t>
             </a:fld>
             <a:endParaRPr lang="en-US"/>
           </a:p>
@@ -1150,7 +1150,7 @@
           <a:p>
             <a:fld id="{AD3F6B16-F2DC-F743-A09D-8B0300CDAED8}" type="datetimeFigureOut">
               <a:rPr lang="en-US" smtClean="0"/>
-              <a:t>11/28/21</a:t>
+              <a:t>3/20/22</a:t>
             </a:fld>
             <a:endParaRPr lang="en-US"/>
           </a:p>
@@ -1415,7 +1415,7 @@
           <a:p>
             <a:fld id="{AD3F6B16-F2DC-F743-A09D-8B0300CDAED8}" type="datetimeFigureOut">
               <a:rPr lang="en-US" smtClean="0"/>
-              <a:t>11/28/21</a:t>
+              <a:t>3/20/22</a:t>
             </a:fld>
             <a:endParaRPr lang="en-US"/>
           </a:p>
@@ -1827,7 +1827,7 @@
           <a:p>
             <a:fld id="{AD3F6B16-F2DC-F743-A09D-8B0300CDAED8}" type="datetimeFigureOut">
               <a:rPr lang="en-US" smtClean="0"/>
-              <a:t>11/28/21</a:t>
+              <a:t>3/20/22</a:t>
             </a:fld>
             <a:endParaRPr lang="en-US"/>
           </a:p>
@@ -1968,7 +1968,7 @@
           <a:p>
             <a:fld id="{AD3F6B16-F2DC-F743-A09D-8B0300CDAED8}" type="datetimeFigureOut">
               <a:rPr lang="en-US" smtClean="0"/>
-              <a:t>11/28/21</a:t>
+              <a:t>3/20/22</a:t>
             </a:fld>
             <a:endParaRPr lang="en-US"/>
           </a:p>
@@ -2081,7 +2081,7 @@
           <a:p>
             <a:fld id="{AD3F6B16-F2DC-F743-A09D-8B0300CDAED8}" type="datetimeFigureOut">
               <a:rPr lang="en-US" smtClean="0"/>
-              <a:t>11/28/21</a:t>
+              <a:t>3/20/22</a:t>
             </a:fld>
             <a:endParaRPr lang="en-US"/>
           </a:p>
@@ -2392,7 +2392,7 @@
           <a:p>
             <a:fld id="{AD3F6B16-F2DC-F743-A09D-8B0300CDAED8}" type="datetimeFigureOut">
               <a:rPr lang="en-US" smtClean="0"/>
-              <a:t>11/28/21</a:t>
+              <a:t>3/20/22</a:t>
             </a:fld>
             <a:endParaRPr lang="en-US"/>
           </a:p>
@@ -2680,7 +2680,7 @@
           <a:p>
             <a:fld id="{AD3F6B16-F2DC-F743-A09D-8B0300CDAED8}" type="datetimeFigureOut">
               <a:rPr lang="en-US" smtClean="0"/>
-              <a:t>11/28/21</a:t>
+              <a:t>3/20/22</a:t>
             </a:fld>
             <a:endParaRPr lang="en-US"/>
           </a:p>
@@ -2921,7 +2921,7 @@
           <a:p>
             <a:fld id="{AD3F6B16-F2DC-F743-A09D-8B0300CDAED8}" type="datetimeFigureOut">
               <a:rPr lang="en-US" smtClean="0"/>
-              <a:t>11/28/21</a:t>
+              <a:t>3/20/22</a:t>
             </a:fld>
             <a:endParaRPr lang="en-US"/>
           </a:p>
@@ -3363,12 +3363,138 @@
           </a:p>
         </p:txBody>
       </p:sp>
+      <p:sp>
+        <p:nvSpPr>
+          <p:cNvPr id="6" name="TextBox 5">
+            <a:extLst>
+              <a:ext uri="{FF2B5EF4-FFF2-40B4-BE49-F238E27FC236}">
+                <a16:creationId xmlns:a16="http://schemas.microsoft.com/office/drawing/2014/main" id="{D3078C73-B612-C749-B7FF-B27CE68F8220}"/>
+              </a:ext>
+            </a:extLst>
+          </p:cNvPr>
+          <p:cNvSpPr txBox="1"/>
+          <p:nvPr/>
+        </p:nvSpPr>
+        <p:spPr>
+          <a:xfrm>
+            <a:off x="2910115" y="1449530"/>
+            <a:ext cx="2830286" cy="646331"/>
+          </a:xfrm>
+          <a:prstGeom prst="rect">
+            <a:avLst/>
+          </a:prstGeom>
+          <a:noFill/>
+        </p:spPr>
+        <p:txBody>
+          <a:bodyPr wrap="square" rtlCol="0">
+            <a:spAutoFit/>
+          </a:bodyPr>
+          <a:lstStyle/>
+          <a:p>
+            <a:pPr algn="ctr"/>
+            <a:r>
+              <a:rPr lang="en-US" b="1" dirty="0"/>
+              <a:t>Core Facility Manager</a:t>
+            </a:r>
+          </a:p>
+          <a:p>
+            <a:pPr algn="ctr"/>
+            <a:r>
+              <a:rPr lang="en-US" dirty="0"/>
+              <a:t>Dr. </a:t>
+            </a:r>
+            <a:r>
+              <a:rPr lang="en-US" dirty="0" err="1"/>
+              <a:t>Jie</a:t>
+            </a:r>
+            <a:r>
+              <a:rPr lang="en-US" dirty="0"/>
+              <a:t> (Jessie) Li</a:t>
+            </a:r>
+          </a:p>
+        </p:txBody>
+      </p:sp>
+      <p:sp>
+        <p:nvSpPr>
+          <p:cNvPr id="7" name="TextBox 6">
+            <a:extLst>
+              <a:ext uri="{FF2B5EF4-FFF2-40B4-BE49-F238E27FC236}">
+                <a16:creationId xmlns:a16="http://schemas.microsoft.com/office/drawing/2014/main" id="{4D6A2649-A224-7A45-A422-8FE6DE4B4E39}"/>
+              </a:ext>
+            </a:extLst>
+          </p:cNvPr>
+          <p:cNvSpPr txBox="1"/>
+          <p:nvPr/>
+        </p:nvSpPr>
+        <p:spPr>
+          <a:xfrm>
+            <a:off x="7165988" y="1460353"/>
+            <a:ext cx="2385703" cy="646331"/>
+          </a:xfrm>
+          <a:prstGeom prst="rect">
+            <a:avLst/>
+          </a:prstGeom>
+          <a:noFill/>
+        </p:spPr>
+        <p:txBody>
+          <a:bodyPr wrap="square" rtlCol="0">
+            <a:spAutoFit/>
+          </a:bodyPr>
+          <a:lstStyle/>
+          <a:p>
+            <a:pPr algn="ctr"/>
+            <a:r>
+              <a:rPr lang="en-US" b="1" dirty="0"/>
+              <a:t>Faculty Advisor</a:t>
+            </a:r>
+          </a:p>
+          <a:p>
+            <a:pPr algn="ctr"/>
+            <a:r>
+              <a:rPr lang="en-US" dirty="0"/>
+              <a:t>Dr. Ian Korf</a:t>
+            </a:r>
+          </a:p>
+        </p:txBody>
+      </p:sp>
+      <p:sp>
+        <p:nvSpPr>
+          <p:cNvPr id="30" name="TextBox 29">
+            <a:extLst>
+              <a:ext uri="{FF2B5EF4-FFF2-40B4-BE49-F238E27FC236}">
+                <a16:creationId xmlns:a16="http://schemas.microsoft.com/office/drawing/2014/main" id="{42DC3DD6-0856-CB45-BEC9-665A9A592F2E}"/>
+              </a:ext>
+            </a:extLst>
+          </p:cNvPr>
+          <p:cNvSpPr txBox="1"/>
+          <p:nvPr/>
+        </p:nvSpPr>
+        <p:spPr>
+          <a:xfrm>
+            <a:off x="2039817" y="1899138"/>
+            <a:ext cx="184731" cy="369332"/>
+          </a:xfrm>
+          <a:prstGeom prst="rect">
+            <a:avLst/>
+          </a:prstGeom>
+          <a:noFill/>
+        </p:spPr>
+        <p:txBody>
+          <a:bodyPr wrap="none" rtlCol="0">
+            <a:spAutoFit/>
+          </a:bodyPr>
+          <a:lstStyle/>
+          <a:p>
+            <a:endParaRPr lang="en-US" dirty="0"/>
+          </a:p>
+        </p:txBody>
+      </p:sp>
       <p:grpSp>
         <p:nvGrpSpPr>
-          <p:cNvPr id="3" name="Group 2">
-            <a:extLst>
-              <a:ext uri="{FF2B5EF4-FFF2-40B4-BE49-F238E27FC236}">
-                <a16:creationId xmlns:a16="http://schemas.microsoft.com/office/drawing/2014/main" id="{FFBFFD06-486C-EA4D-B6F7-E461E4409913}"/>
+          <p:cNvPr id="33" name="Group 32">
+            <a:extLst>
+              <a:ext uri="{FF2B5EF4-FFF2-40B4-BE49-F238E27FC236}">
+                <a16:creationId xmlns:a16="http://schemas.microsoft.com/office/drawing/2014/main" id="{2F48A9FF-6981-8842-ADCC-6B94730D8FDA}"/>
               </a:ext>
             </a:extLst>
           </p:cNvPr>
@@ -3377,1050 +3503,909 @@
         </p:nvGrpSpPr>
         <p:grpSpPr>
           <a:xfrm>
-            <a:off x="359813" y="1449530"/>
-            <a:ext cx="11670915" cy="5225215"/>
-            <a:chOff x="359813" y="1449530"/>
-            <a:chExt cx="11670915" cy="5225215"/>
+            <a:off x="359813" y="2263675"/>
+            <a:ext cx="11670915" cy="4411070"/>
+            <a:chOff x="359813" y="2263675"/>
+            <a:chExt cx="11670915" cy="4411070"/>
           </a:xfrm>
         </p:grpSpPr>
-        <p:grpSp>
-          <p:nvGrpSpPr>
-            <p:cNvPr id="5" name="Group 4">
+        <p:sp>
+          <p:nvSpPr>
+            <p:cNvPr id="4" name="Rectangle 3">
               <a:extLst>
                 <a:ext uri="{FF2B5EF4-FFF2-40B4-BE49-F238E27FC236}">
-                  <a16:creationId xmlns:a16="http://schemas.microsoft.com/office/drawing/2014/main" id="{BC9C6E7C-6E7C-0649-9613-413B1FCABB22}"/>
+                  <a16:creationId xmlns:a16="http://schemas.microsoft.com/office/drawing/2014/main" id="{440FE0E2-91A7-084C-B967-88363CDBCA33}"/>
                 </a:ext>
               </a:extLst>
             </p:cNvPr>
-            <p:cNvGrpSpPr/>
+            <p:cNvSpPr/>
             <p:nvPr/>
-          </p:nvGrpSpPr>
-          <p:grpSpPr>
+          </p:nvSpPr>
+          <p:spPr>
             <a:xfrm>
-              <a:off x="359813" y="1449530"/>
-              <a:ext cx="11670915" cy="5225215"/>
-              <a:chOff x="359813" y="1449530"/>
-              <a:chExt cx="11670915" cy="5225215"/>
+              <a:off x="359813" y="2285625"/>
+              <a:ext cx="3840480" cy="4389120"/>
             </a:xfrm>
-          </p:grpSpPr>
-          <p:sp>
-            <p:nvSpPr>
-              <p:cNvPr id="4" name="Rectangle 3">
-                <a:extLst>
-                  <a:ext uri="{FF2B5EF4-FFF2-40B4-BE49-F238E27FC236}">
-                    <a16:creationId xmlns:a16="http://schemas.microsoft.com/office/drawing/2014/main" id="{440FE0E2-91A7-084C-B967-88363CDBCA33}"/>
-                  </a:ext>
-                </a:extLst>
-              </p:cNvPr>
-              <p:cNvSpPr/>
-              <p:nvPr/>
-            </p:nvSpPr>
-            <p:spPr>
-              <a:xfrm>
-                <a:off x="359813" y="2285625"/>
-                <a:ext cx="3840480" cy="4389120"/>
-              </a:xfrm>
-              <a:prstGeom prst="rect">
-                <a:avLst/>
-              </a:prstGeom>
-              <a:solidFill>
-                <a:schemeClr val="accent1">
-                  <a:alpha val="50000"/>
-                </a:schemeClr>
-              </a:solidFill>
-            </p:spPr>
-            <p:style>
-              <a:lnRef idx="2">
-                <a:schemeClr val="accent1">
-                  <a:shade val="50000"/>
-                </a:schemeClr>
-              </a:lnRef>
-              <a:fillRef idx="1">
-                <a:schemeClr val="accent1"/>
-              </a:fillRef>
-              <a:effectRef idx="0">
-                <a:schemeClr val="accent1"/>
-              </a:effectRef>
-              <a:fontRef idx="minor">
-                <a:schemeClr val="lt1"/>
-              </a:fontRef>
-            </p:style>
-            <p:txBody>
-              <a:bodyPr rtlCol="0" anchor="ctr"/>
-              <a:lstStyle/>
-              <a:p>
-                <a:pPr algn="ctr"/>
-                <a:endParaRPr lang="en-US" dirty="0"/>
-              </a:p>
-            </p:txBody>
-          </p:sp>
-          <p:sp>
-            <p:nvSpPr>
-              <p:cNvPr id="6" name="TextBox 5">
-                <a:extLst>
-                  <a:ext uri="{FF2B5EF4-FFF2-40B4-BE49-F238E27FC236}">
-                    <a16:creationId xmlns:a16="http://schemas.microsoft.com/office/drawing/2014/main" id="{D3078C73-B612-C749-B7FF-B27CE68F8220}"/>
-                  </a:ext>
-                </a:extLst>
-              </p:cNvPr>
-              <p:cNvSpPr txBox="1"/>
-              <p:nvPr/>
-            </p:nvSpPr>
-            <p:spPr>
-              <a:xfrm>
-                <a:off x="2910115" y="1449530"/>
-                <a:ext cx="2830286" cy="646331"/>
-              </a:xfrm>
-              <a:prstGeom prst="rect">
-                <a:avLst/>
-              </a:prstGeom>
-              <a:noFill/>
-            </p:spPr>
-            <p:txBody>
-              <a:bodyPr wrap="square" rtlCol="0">
-                <a:spAutoFit/>
-              </a:bodyPr>
-              <a:lstStyle/>
-              <a:p>
-                <a:pPr algn="ctr"/>
-                <a:r>
-                  <a:rPr lang="en-US" b="1" dirty="0"/>
-                  <a:t>Core Facility Manager</a:t>
-                </a:r>
-              </a:p>
-              <a:p>
-                <a:pPr algn="ctr"/>
-                <a:r>
-                  <a:rPr lang="en-US" dirty="0"/>
-                  <a:t>Dr. </a:t>
-                </a:r>
-                <a:r>
-                  <a:rPr lang="en-US" dirty="0" err="1"/>
-                  <a:t>Jie</a:t>
-                </a:r>
-                <a:r>
-                  <a:rPr lang="en-US" dirty="0"/>
-                  <a:t> (Jessie) Li</a:t>
-                </a:r>
-              </a:p>
-            </p:txBody>
-          </p:sp>
-          <p:sp>
-            <p:nvSpPr>
-              <p:cNvPr id="7" name="TextBox 6">
-                <a:extLst>
-                  <a:ext uri="{FF2B5EF4-FFF2-40B4-BE49-F238E27FC236}">
-                    <a16:creationId xmlns:a16="http://schemas.microsoft.com/office/drawing/2014/main" id="{4D6A2649-A224-7A45-A422-8FE6DE4B4E39}"/>
-                  </a:ext>
-                </a:extLst>
-              </p:cNvPr>
-              <p:cNvSpPr txBox="1"/>
-              <p:nvPr/>
-            </p:nvSpPr>
-            <p:spPr>
-              <a:xfrm>
-                <a:off x="7165988" y="1460353"/>
-                <a:ext cx="2385703" cy="646331"/>
-              </a:xfrm>
-              <a:prstGeom prst="rect">
-                <a:avLst/>
-              </a:prstGeom>
-              <a:noFill/>
-            </p:spPr>
-            <p:txBody>
-              <a:bodyPr wrap="square" rtlCol="0">
-                <a:spAutoFit/>
-              </a:bodyPr>
-              <a:lstStyle/>
-              <a:p>
-                <a:pPr algn="ctr"/>
-                <a:r>
-                  <a:rPr lang="en-US" b="1" dirty="0"/>
-                  <a:t>Faculty Advisor</a:t>
-                </a:r>
-              </a:p>
-              <a:p>
-                <a:pPr algn="ctr"/>
-                <a:r>
-                  <a:rPr lang="en-US" dirty="0"/>
-                  <a:t>Dr. Ian Korf</a:t>
-                </a:r>
-              </a:p>
-            </p:txBody>
-          </p:sp>
-          <p:sp>
-            <p:nvSpPr>
-              <p:cNvPr id="8" name="TextBox 7">
-                <a:extLst>
-                  <a:ext uri="{FF2B5EF4-FFF2-40B4-BE49-F238E27FC236}">
-                    <a16:creationId xmlns:a16="http://schemas.microsoft.com/office/drawing/2014/main" id="{90B0109E-1358-674A-8A03-9DD76E12E9F3}"/>
-                  </a:ext>
-                </a:extLst>
-              </p:cNvPr>
-              <p:cNvSpPr txBox="1"/>
-              <p:nvPr/>
-            </p:nvSpPr>
-            <p:spPr>
-              <a:xfrm rot="16200000">
-                <a:off x="-1650079" y="4273570"/>
-                <a:ext cx="4389122" cy="369332"/>
-              </a:xfrm>
-              <a:prstGeom prst="rect">
-                <a:avLst/>
-              </a:prstGeom>
-              <a:noFill/>
-            </p:spPr>
-            <p:txBody>
-              <a:bodyPr wrap="square" rtlCol="0">
-                <a:spAutoFit/>
-              </a:bodyPr>
-              <a:lstStyle/>
-              <a:p>
-                <a:pPr algn="ctr"/>
-                <a:r>
-                  <a:rPr lang="en-US" b="1" dirty="0"/>
-                  <a:t>Data Analysis Group</a:t>
-                </a:r>
-              </a:p>
-            </p:txBody>
-          </p:sp>
-          <p:sp>
-            <p:nvSpPr>
-              <p:cNvPr id="9" name="TextBox 8">
-                <a:extLst>
-                  <a:ext uri="{FF2B5EF4-FFF2-40B4-BE49-F238E27FC236}">
-                    <a16:creationId xmlns:a16="http://schemas.microsoft.com/office/drawing/2014/main" id="{067F403F-C502-774A-B9D1-902EA59AB282}"/>
-                  </a:ext>
-                </a:extLst>
-              </p:cNvPr>
-              <p:cNvSpPr txBox="1"/>
-              <p:nvPr/>
-            </p:nvSpPr>
-            <p:spPr>
-              <a:xfrm>
-                <a:off x="741768" y="2413190"/>
-                <a:ext cx="1843088" cy="338554"/>
-              </a:xfrm>
-              <a:prstGeom prst="rect">
-                <a:avLst/>
-              </a:prstGeom>
-              <a:noFill/>
-            </p:spPr>
-            <p:txBody>
-              <a:bodyPr wrap="square" rtlCol="0">
-                <a:spAutoFit/>
-              </a:bodyPr>
-              <a:lstStyle/>
-              <a:p>
-                <a:r>
-                  <a:rPr lang="en-US" sz="1600" b="1" dirty="0"/>
-                  <a:t>Data Analysts</a:t>
-                </a:r>
-              </a:p>
-            </p:txBody>
-          </p:sp>
-          <p:sp>
-            <p:nvSpPr>
-              <p:cNvPr id="10" name="TextBox 9">
-                <a:extLst>
-                  <a:ext uri="{FF2B5EF4-FFF2-40B4-BE49-F238E27FC236}">
-                    <a16:creationId xmlns:a16="http://schemas.microsoft.com/office/drawing/2014/main" id="{15B3DA25-494E-334F-B139-C3CFBC566C7E}"/>
-                  </a:ext>
-                </a:extLst>
-              </p:cNvPr>
-              <p:cNvSpPr txBox="1"/>
-              <p:nvPr/>
-            </p:nvSpPr>
-            <p:spPr>
-              <a:xfrm>
-                <a:off x="741766" y="2723907"/>
-                <a:ext cx="3274651" cy="1077218"/>
-              </a:xfrm>
-              <a:prstGeom prst="rect">
-                <a:avLst/>
-              </a:prstGeom>
-              <a:noFill/>
-            </p:spPr>
-            <p:txBody>
-              <a:bodyPr wrap="square" rtlCol="0">
-                <a:spAutoFit/>
-              </a:bodyPr>
-              <a:lstStyle/>
-              <a:p>
-                <a:r>
-                  <a:rPr lang="en-US" sz="1600" dirty="0"/>
-                  <a:t>Dr. </a:t>
-                </a:r>
-                <a:r>
-                  <a:rPr lang="en-US" sz="1600" dirty="0" err="1"/>
-                  <a:t>Jie</a:t>
-                </a:r>
-                <a:r>
-                  <a:rPr lang="en-US" sz="1600" dirty="0"/>
-                  <a:t> (Jessie) Li</a:t>
-                </a:r>
-              </a:p>
-              <a:p>
-                <a:r>
-                  <a:rPr lang="en-US" sz="1600" dirty="0"/>
-                  <a:t>Dr. Hannah Lyman</a:t>
-                </a:r>
-              </a:p>
-              <a:p>
-                <a:r>
-                  <a:rPr lang="en-US" sz="1600" dirty="0"/>
-                  <a:t>Dr. Monica Britton</a:t>
-                </a:r>
-              </a:p>
-              <a:p>
-                <a:r>
-                  <a:rPr lang="en-US" sz="1600" dirty="0"/>
-                  <a:t>Nik Joshi (75%)</a:t>
-                </a:r>
-              </a:p>
-            </p:txBody>
-          </p:sp>
-          <p:sp>
-            <p:nvSpPr>
-              <p:cNvPr id="11" name="TextBox 10">
-                <a:extLst>
-                  <a:ext uri="{FF2B5EF4-FFF2-40B4-BE49-F238E27FC236}">
-                    <a16:creationId xmlns:a16="http://schemas.microsoft.com/office/drawing/2014/main" id="{9C3814BD-0AE3-054B-A72A-34601EBC52A9}"/>
-                  </a:ext>
-                </a:extLst>
-              </p:cNvPr>
-              <p:cNvSpPr txBox="1"/>
-              <p:nvPr/>
-            </p:nvSpPr>
-            <p:spPr>
-              <a:xfrm>
-                <a:off x="767251" y="3812142"/>
-                <a:ext cx="1843088" cy="338554"/>
-              </a:xfrm>
-              <a:prstGeom prst="rect">
-                <a:avLst/>
-              </a:prstGeom>
-              <a:noFill/>
-            </p:spPr>
-            <p:txBody>
-              <a:bodyPr wrap="square" rtlCol="0">
-                <a:spAutoFit/>
-              </a:bodyPr>
-              <a:lstStyle/>
-              <a:p>
-                <a:r>
-                  <a:rPr lang="en-US" sz="1600" b="1" dirty="0"/>
-                  <a:t>Biostatistics</a:t>
-                </a:r>
-              </a:p>
-            </p:txBody>
-          </p:sp>
-          <p:sp>
-            <p:nvSpPr>
-              <p:cNvPr id="12" name="TextBox 11">
-                <a:extLst>
-                  <a:ext uri="{FF2B5EF4-FFF2-40B4-BE49-F238E27FC236}">
-                    <a16:creationId xmlns:a16="http://schemas.microsoft.com/office/drawing/2014/main" id="{66894648-8A6F-C243-B5A9-9A8DA547E0D5}"/>
-                  </a:ext>
-                </a:extLst>
-              </p:cNvPr>
-              <p:cNvSpPr txBox="1"/>
-              <p:nvPr/>
-            </p:nvSpPr>
-            <p:spPr>
-              <a:xfrm>
-                <a:off x="767178" y="4151052"/>
-                <a:ext cx="3369887" cy="338554"/>
-              </a:xfrm>
-              <a:prstGeom prst="rect">
-                <a:avLst/>
-              </a:prstGeom>
-              <a:noFill/>
-            </p:spPr>
-            <p:txBody>
-              <a:bodyPr wrap="square" rtlCol="0">
-                <a:spAutoFit/>
-              </a:bodyPr>
-              <a:lstStyle/>
-              <a:p>
-                <a:r>
-                  <a:rPr lang="en-US" sz="1600" dirty="0"/>
-                  <a:t>Dr. Blythe Durbin-Johnson (40%)</a:t>
-                </a:r>
-              </a:p>
-            </p:txBody>
-          </p:sp>
-          <p:sp>
-            <p:nvSpPr>
-              <p:cNvPr id="13" name="TextBox 12">
-                <a:extLst>
-                  <a:ext uri="{FF2B5EF4-FFF2-40B4-BE49-F238E27FC236}">
-                    <a16:creationId xmlns:a16="http://schemas.microsoft.com/office/drawing/2014/main" id="{B6B1AED1-716F-2148-BC8F-AB87EE43DBEC}"/>
-                  </a:ext>
-                </a:extLst>
-              </p:cNvPr>
-              <p:cNvSpPr txBox="1"/>
-              <p:nvPr/>
-            </p:nvSpPr>
-            <p:spPr>
-              <a:xfrm>
-                <a:off x="767178" y="5850355"/>
-                <a:ext cx="2462730" cy="584775"/>
-              </a:xfrm>
-              <a:prstGeom prst="rect">
-                <a:avLst/>
-              </a:prstGeom>
-              <a:noFill/>
-            </p:spPr>
-            <p:txBody>
-              <a:bodyPr wrap="square" rtlCol="0">
-                <a:spAutoFit/>
-              </a:bodyPr>
-              <a:lstStyle/>
-              <a:p>
-                <a:r>
-                  <a:rPr lang="en-US" sz="1600" dirty="0"/>
-                  <a:t>Undergraduate assistant(s)</a:t>
-                </a:r>
-              </a:p>
-              <a:p>
-                <a:r>
-                  <a:rPr lang="en-US" sz="1600" dirty="0"/>
-                  <a:t>Visiting scholars</a:t>
-                </a:r>
-              </a:p>
-            </p:txBody>
-          </p:sp>
-          <p:sp>
-            <p:nvSpPr>
-              <p:cNvPr id="14" name="Rectangle 13">
-                <a:extLst>
-                  <a:ext uri="{FF2B5EF4-FFF2-40B4-BE49-F238E27FC236}">
-                    <a16:creationId xmlns:a16="http://schemas.microsoft.com/office/drawing/2014/main" id="{DEC25D77-07CC-6C4B-9894-8BA18EE7A864}"/>
-                  </a:ext>
-                </a:extLst>
-              </p:cNvPr>
-              <p:cNvSpPr/>
-              <p:nvPr/>
-            </p:nvSpPr>
-            <p:spPr>
-              <a:xfrm>
-                <a:off x="4418827" y="2285625"/>
-                <a:ext cx="3749039" cy="4389120"/>
-              </a:xfrm>
-              <a:prstGeom prst="rect">
-                <a:avLst/>
-              </a:prstGeom>
-              <a:solidFill>
-                <a:schemeClr val="accent6">
-                  <a:alpha val="50000"/>
-                </a:schemeClr>
-              </a:solidFill>
-            </p:spPr>
-            <p:style>
-              <a:lnRef idx="2">
-                <a:schemeClr val="accent1">
-                  <a:shade val="50000"/>
-                </a:schemeClr>
-              </a:lnRef>
-              <a:fillRef idx="1">
-                <a:schemeClr val="accent1"/>
-              </a:fillRef>
-              <a:effectRef idx="0">
-                <a:schemeClr val="accent1"/>
-              </a:effectRef>
-              <a:fontRef idx="minor">
-                <a:schemeClr val="lt1"/>
-              </a:fontRef>
-            </p:style>
-            <p:txBody>
-              <a:bodyPr rtlCol="0" anchor="ctr"/>
-              <a:lstStyle/>
-              <a:p>
-                <a:pPr algn="ctr"/>
-                <a:endParaRPr lang="en-US"/>
-              </a:p>
-            </p:txBody>
-          </p:sp>
-          <p:sp>
-            <p:nvSpPr>
-              <p:cNvPr id="15" name="TextBox 14">
-                <a:extLst>
-                  <a:ext uri="{FF2B5EF4-FFF2-40B4-BE49-F238E27FC236}">
-                    <a16:creationId xmlns:a16="http://schemas.microsoft.com/office/drawing/2014/main" id="{D16FE3E0-006A-244E-A41D-DF4996D46B43}"/>
-                  </a:ext>
-                </a:extLst>
-              </p:cNvPr>
-              <p:cNvSpPr txBox="1"/>
-              <p:nvPr/>
-            </p:nvSpPr>
-            <p:spPr>
-              <a:xfrm rot="16200000">
-                <a:off x="2405620" y="4284543"/>
-                <a:ext cx="4367170" cy="369332"/>
-              </a:xfrm>
-              <a:prstGeom prst="rect">
-                <a:avLst/>
-              </a:prstGeom>
-              <a:noFill/>
-            </p:spPr>
-            <p:txBody>
-              <a:bodyPr wrap="square" rtlCol="0">
-                <a:spAutoFit/>
-              </a:bodyPr>
-              <a:lstStyle/>
-              <a:p>
-                <a:pPr algn="ctr"/>
-                <a:r>
-                  <a:rPr lang="en-US" b="1" dirty="0"/>
-                  <a:t>Research Computing Group</a:t>
-                </a:r>
-              </a:p>
-            </p:txBody>
-          </p:sp>
-          <p:sp>
-            <p:nvSpPr>
-              <p:cNvPr id="16" name="TextBox 15">
-                <a:extLst>
-                  <a:ext uri="{FF2B5EF4-FFF2-40B4-BE49-F238E27FC236}">
-                    <a16:creationId xmlns:a16="http://schemas.microsoft.com/office/drawing/2014/main" id="{8E2953AD-F8FC-C04F-B7A8-A4974D2F2852}"/>
-                  </a:ext>
-                </a:extLst>
-              </p:cNvPr>
-              <p:cNvSpPr txBox="1"/>
-              <p:nvPr/>
-            </p:nvSpPr>
-            <p:spPr>
-              <a:xfrm>
-                <a:off x="4867275" y="2411644"/>
-                <a:ext cx="2917214" cy="338554"/>
-              </a:xfrm>
-              <a:prstGeom prst="rect">
-                <a:avLst/>
-              </a:prstGeom>
-              <a:noFill/>
-            </p:spPr>
-            <p:txBody>
-              <a:bodyPr wrap="square" rtlCol="0">
-                <a:spAutoFit/>
-              </a:bodyPr>
-              <a:lstStyle/>
-              <a:p>
-                <a:r>
-                  <a:rPr lang="en-US" sz="1600" b="1" dirty="0"/>
-                  <a:t>Systems Administration</a:t>
-                </a:r>
-              </a:p>
-            </p:txBody>
-          </p:sp>
-          <p:sp>
-            <p:nvSpPr>
-              <p:cNvPr id="17" name="TextBox 16">
-                <a:extLst>
-                  <a:ext uri="{FF2B5EF4-FFF2-40B4-BE49-F238E27FC236}">
-                    <a16:creationId xmlns:a16="http://schemas.microsoft.com/office/drawing/2014/main" id="{FF6DA30C-17B2-0541-9BD1-63C02CA3C6BD}"/>
-                  </a:ext>
-                </a:extLst>
-              </p:cNvPr>
-              <p:cNvSpPr txBox="1"/>
-              <p:nvPr/>
-            </p:nvSpPr>
-            <p:spPr>
-              <a:xfrm>
-                <a:off x="4867275" y="2749140"/>
-                <a:ext cx="2529094" cy="830997"/>
-              </a:xfrm>
-              <a:prstGeom prst="rect">
-                <a:avLst/>
-              </a:prstGeom>
-              <a:noFill/>
-            </p:spPr>
-            <p:txBody>
-              <a:bodyPr wrap="square" rtlCol="0">
-                <a:spAutoFit/>
-              </a:bodyPr>
-              <a:lstStyle/>
-              <a:p>
-                <a:r>
-                  <a:rPr lang="en-US" sz="1600" dirty="0"/>
-                  <a:t>Mike Lewis</a:t>
-                </a:r>
-              </a:p>
-              <a:p>
-                <a:r>
-                  <a:rPr lang="en-US" sz="1600" dirty="0"/>
-                  <a:t>Richard </a:t>
-                </a:r>
-                <a:r>
-                  <a:rPr lang="en-US" sz="1600" dirty="0" err="1"/>
-                  <a:t>Feltstykket</a:t>
-                </a:r>
-                <a:endParaRPr lang="en-US" sz="1600" dirty="0"/>
-              </a:p>
-              <a:p>
-                <a:r>
-                  <a:rPr lang="en-US" sz="1600" dirty="0"/>
-                  <a:t>Tom </a:t>
-                </a:r>
-                <a:r>
-                  <a:rPr lang="en-US" sz="1600" dirty="0" err="1"/>
-                  <a:t>Neubarth</a:t>
-                </a:r>
-                <a:endParaRPr lang="en-US" sz="1600" dirty="0"/>
-              </a:p>
-            </p:txBody>
-          </p:sp>
-          <p:sp>
-            <p:nvSpPr>
-              <p:cNvPr id="18" name="TextBox 17">
-                <a:extLst>
-                  <a:ext uri="{FF2B5EF4-FFF2-40B4-BE49-F238E27FC236}">
-                    <a16:creationId xmlns:a16="http://schemas.microsoft.com/office/drawing/2014/main" id="{77179934-A3A9-B941-9F0E-0B13DDCD3BFB}"/>
-                  </a:ext>
-                </a:extLst>
-              </p:cNvPr>
-              <p:cNvSpPr txBox="1"/>
-              <p:nvPr/>
-            </p:nvSpPr>
-            <p:spPr>
-              <a:xfrm>
-                <a:off x="4898822" y="4894039"/>
-                <a:ext cx="2529094" cy="338554"/>
-              </a:xfrm>
-              <a:prstGeom prst="rect">
-                <a:avLst/>
-              </a:prstGeom>
-              <a:noFill/>
-            </p:spPr>
-            <p:txBody>
-              <a:bodyPr wrap="square" rtlCol="0">
-                <a:spAutoFit/>
-              </a:bodyPr>
-              <a:lstStyle/>
-              <a:p>
-                <a:r>
-                  <a:rPr lang="en-US" sz="1600" b="1" dirty="0"/>
-                  <a:t>Applications</a:t>
-                </a:r>
-              </a:p>
-            </p:txBody>
-          </p:sp>
-          <p:sp>
-            <p:nvSpPr>
-              <p:cNvPr id="19" name="TextBox 18">
-                <a:extLst>
-                  <a:ext uri="{FF2B5EF4-FFF2-40B4-BE49-F238E27FC236}">
-                    <a16:creationId xmlns:a16="http://schemas.microsoft.com/office/drawing/2014/main" id="{FB50B063-AEB3-8649-99A0-33FC7856FC44}"/>
-                  </a:ext>
-                </a:extLst>
-              </p:cNvPr>
-              <p:cNvSpPr txBox="1"/>
-              <p:nvPr/>
-            </p:nvSpPr>
-            <p:spPr>
-              <a:xfrm>
-                <a:off x="4889664" y="5209251"/>
-                <a:ext cx="2529094" cy="338554"/>
-              </a:xfrm>
-              <a:prstGeom prst="rect">
-                <a:avLst/>
-              </a:prstGeom>
-              <a:noFill/>
-            </p:spPr>
-            <p:txBody>
-              <a:bodyPr wrap="square" rtlCol="0">
-                <a:spAutoFit/>
-              </a:bodyPr>
-              <a:lstStyle/>
-              <a:p>
-                <a:r>
-                  <a:rPr lang="en-US" sz="1600" dirty="0"/>
-                  <a:t>Adam </a:t>
-                </a:r>
-                <a:r>
-                  <a:rPr lang="en-US" sz="1600" dirty="0" err="1"/>
-                  <a:t>Schaal</a:t>
-                </a:r>
-                <a:r>
-                  <a:rPr lang="en-US" sz="1600" dirty="0"/>
-                  <a:t> (25%)</a:t>
-                </a:r>
-              </a:p>
-            </p:txBody>
-          </p:sp>
-          <p:sp>
-            <p:nvSpPr>
-              <p:cNvPr id="20" name="TextBox 19">
-                <a:extLst>
-                  <a:ext uri="{FF2B5EF4-FFF2-40B4-BE49-F238E27FC236}">
-                    <a16:creationId xmlns:a16="http://schemas.microsoft.com/office/drawing/2014/main" id="{BEF4A959-AB41-2248-85A4-BDE21390B659}"/>
-                  </a:ext>
-                </a:extLst>
-              </p:cNvPr>
-              <p:cNvSpPr txBox="1"/>
-              <p:nvPr/>
-            </p:nvSpPr>
-            <p:spPr>
-              <a:xfrm>
-                <a:off x="4867275" y="5605117"/>
-                <a:ext cx="2529094" cy="338554"/>
-              </a:xfrm>
-              <a:prstGeom prst="rect">
-                <a:avLst/>
-              </a:prstGeom>
-              <a:noFill/>
-            </p:spPr>
-            <p:txBody>
-              <a:bodyPr wrap="square" rtlCol="0">
-                <a:spAutoFit/>
-              </a:bodyPr>
-              <a:lstStyle/>
-              <a:p>
-                <a:r>
-                  <a:rPr lang="en-US" sz="1600" dirty="0"/>
-                  <a:t>Undergraduate assistant(s)</a:t>
-                </a:r>
-              </a:p>
-            </p:txBody>
-          </p:sp>
-          <p:sp>
-            <p:nvSpPr>
-              <p:cNvPr id="21" name="TextBox 20">
-                <a:extLst>
-                  <a:ext uri="{FF2B5EF4-FFF2-40B4-BE49-F238E27FC236}">
-                    <a16:creationId xmlns:a16="http://schemas.microsoft.com/office/drawing/2014/main" id="{662B2F39-75E8-2D43-A065-753E0F673A22}"/>
-                  </a:ext>
-                </a:extLst>
-              </p:cNvPr>
-              <p:cNvSpPr txBox="1"/>
-              <p:nvPr/>
-            </p:nvSpPr>
-            <p:spPr>
-              <a:xfrm>
-                <a:off x="4898822" y="3931512"/>
-                <a:ext cx="3113875" cy="338554"/>
-              </a:xfrm>
-              <a:prstGeom prst="rect">
-                <a:avLst/>
-              </a:prstGeom>
-              <a:noFill/>
-            </p:spPr>
-            <p:txBody>
-              <a:bodyPr wrap="square" rtlCol="0">
-                <a:spAutoFit/>
-              </a:bodyPr>
-              <a:lstStyle/>
-              <a:p>
-                <a:r>
-                  <a:rPr lang="en-US" sz="1600" b="1" dirty="0"/>
-                  <a:t>Software Maintenance</a:t>
-                </a:r>
-              </a:p>
-            </p:txBody>
-          </p:sp>
-          <p:sp>
-            <p:nvSpPr>
-              <p:cNvPr id="22" name="TextBox 21">
-                <a:extLst>
-                  <a:ext uri="{FF2B5EF4-FFF2-40B4-BE49-F238E27FC236}">
-                    <a16:creationId xmlns:a16="http://schemas.microsoft.com/office/drawing/2014/main" id="{A50F990B-D24B-8F49-A083-BAEBC837B68D}"/>
-                  </a:ext>
-                </a:extLst>
-              </p:cNvPr>
-              <p:cNvSpPr txBox="1"/>
-              <p:nvPr/>
-            </p:nvSpPr>
-            <p:spPr>
-              <a:xfrm>
-                <a:off x="4898822" y="4267926"/>
-                <a:ext cx="2529094" cy="338554"/>
-              </a:xfrm>
-              <a:prstGeom prst="rect">
-                <a:avLst/>
-              </a:prstGeom>
-              <a:noFill/>
-            </p:spPr>
-            <p:txBody>
-              <a:bodyPr wrap="square" rtlCol="0">
-                <a:spAutoFit/>
-              </a:bodyPr>
-              <a:lstStyle/>
-              <a:p>
-                <a:r>
-                  <a:rPr lang="en-US" sz="1600" dirty="0"/>
-                  <a:t>Nik Joshi (25%)</a:t>
-                </a:r>
-              </a:p>
-            </p:txBody>
-          </p:sp>
-          <p:sp>
-            <p:nvSpPr>
-              <p:cNvPr id="23" name="Rectangle 22">
-                <a:extLst>
-                  <a:ext uri="{FF2B5EF4-FFF2-40B4-BE49-F238E27FC236}">
-                    <a16:creationId xmlns:a16="http://schemas.microsoft.com/office/drawing/2014/main" id="{99626AB6-B4EA-8E49-9AB3-D01C1EEAB44F}"/>
-                  </a:ext>
-                </a:extLst>
-              </p:cNvPr>
-              <p:cNvSpPr/>
-              <p:nvPr/>
-            </p:nvSpPr>
-            <p:spPr>
-              <a:xfrm>
-                <a:off x="8373128" y="2263675"/>
-                <a:ext cx="3657600" cy="4389120"/>
-              </a:xfrm>
-              <a:prstGeom prst="rect">
-                <a:avLst/>
-              </a:prstGeom>
-              <a:solidFill>
-                <a:schemeClr val="accent2">
-                  <a:alpha val="50000"/>
-                </a:schemeClr>
-              </a:solidFill>
-            </p:spPr>
-            <p:style>
-              <a:lnRef idx="2">
-                <a:schemeClr val="accent1">
-                  <a:shade val="50000"/>
-                </a:schemeClr>
-              </a:lnRef>
-              <a:fillRef idx="1">
-                <a:schemeClr val="accent1"/>
-              </a:fillRef>
-              <a:effectRef idx="0">
-                <a:schemeClr val="accent1"/>
-              </a:effectRef>
-              <a:fontRef idx="minor">
-                <a:schemeClr val="lt1"/>
-              </a:fontRef>
-            </p:style>
-            <p:txBody>
-              <a:bodyPr rtlCol="0" anchor="ctr"/>
-              <a:lstStyle/>
-              <a:p>
-                <a:pPr algn="ctr"/>
-                <a:endParaRPr lang="en-US"/>
-              </a:p>
-            </p:txBody>
-          </p:sp>
-          <p:sp>
-            <p:nvSpPr>
-              <p:cNvPr id="24" name="TextBox 23">
-                <a:extLst>
-                  <a:ext uri="{FF2B5EF4-FFF2-40B4-BE49-F238E27FC236}">
-                    <a16:creationId xmlns:a16="http://schemas.microsoft.com/office/drawing/2014/main" id="{10D0866A-A233-F940-BB0C-B4A2D323B327}"/>
-                  </a:ext>
-                </a:extLst>
-              </p:cNvPr>
-              <p:cNvSpPr txBox="1"/>
-              <p:nvPr/>
-            </p:nvSpPr>
-            <p:spPr>
-              <a:xfrm rot="16200000">
-                <a:off x="6359921" y="4284542"/>
-                <a:ext cx="4367171" cy="369332"/>
-              </a:xfrm>
-              <a:prstGeom prst="rect">
-                <a:avLst/>
-              </a:prstGeom>
-              <a:noFill/>
-            </p:spPr>
-            <p:txBody>
-              <a:bodyPr wrap="square" rtlCol="0">
-                <a:spAutoFit/>
-              </a:bodyPr>
-              <a:lstStyle/>
-              <a:p>
-                <a:pPr algn="ctr"/>
-                <a:r>
-                  <a:rPr lang="en-US" b="1" dirty="0"/>
-                  <a:t>Software Development</a:t>
-                </a:r>
-              </a:p>
-            </p:txBody>
-          </p:sp>
-          <p:sp>
-            <p:nvSpPr>
-              <p:cNvPr id="25" name="TextBox 24">
-                <a:extLst>
-                  <a:ext uri="{FF2B5EF4-FFF2-40B4-BE49-F238E27FC236}">
-                    <a16:creationId xmlns:a16="http://schemas.microsoft.com/office/drawing/2014/main" id="{58BD027E-C636-C542-9C59-7F641F1EF7B1}"/>
-                  </a:ext>
-                </a:extLst>
-              </p:cNvPr>
-              <p:cNvSpPr txBox="1"/>
-              <p:nvPr/>
-            </p:nvSpPr>
-            <p:spPr>
-              <a:xfrm>
-                <a:off x="8824706" y="2411644"/>
-                <a:ext cx="2529094" cy="338554"/>
-              </a:xfrm>
-              <a:prstGeom prst="rect">
-                <a:avLst/>
-              </a:prstGeom>
-              <a:noFill/>
-            </p:spPr>
-            <p:txBody>
-              <a:bodyPr wrap="square" rtlCol="0">
-                <a:spAutoFit/>
-              </a:bodyPr>
-              <a:lstStyle/>
-              <a:p>
-                <a:r>
-                  <a:rPr lang="en-US" sz="1600" b="1" dirty="0"/>
-                  <a:t>Software</a:t>
-                </a:r>
-              </a:p>
-            </p:txBody>
-          </p:sp>
-          <p:sp>
-            <p:nvSpPr>
-              <p:cNvPr id="28" name="TextBox 27">
-                <a:extLst>
-                  <a:ext uri="{FF2B5EF4-FFF2-40B4-BE49-F238E27FC236}">
-                    <a16:creationId xmlns:a16="http://schemas.microsoft.com/office/drawing/2014/main" id="{F04E2736-BE5A-A046-A13F-57C5F491110D}"/>
-                  </a:ext>
-                </a:extLst>
-              </p:cNvPr>
-              <p:cNvSpPr txBox="1"/>
-              <p:nvPr/>
-            </p:nvSpPr>
-            <p:spPr>
-              <a:xfrm>
-                <a:off x="8824706" y="2723907"/>
-                <a:ext cx="2529094" cy="338554"/>
-              </a:xfrm>
-              <a:prstGeom prst="rect">
-                <a:avLst/>
-              </a:prstGeom>
-              <a:noFill/>
-            </p:spPr>
-            <p:txBody>
-              <a:bodyPr wrap="square" rtlCol="0">
-                <a:spAutoFit/>
-              </a:bodyPr>
-              <a:lstStyle/>
-              <a:p>
-                <a:r>
-                  <a:rPr lang="en-US" sz="1600" dirty="0"/>
-                  <a:t>Adam </a:t>
-                </a:r>
-                <a:r>
-                  <a:rPr lang="en-US" sz="1600" dirty="0" err="1"/>
-                  <a:t>Schaal</a:t>
-                </a:r>
-                <a:r>
-                  <a:rPr lang="en-US" sz="1600" dirty="0"/>
-                  <a:t> (75%)</a:t>
-                </a:r>
-              </a:p>
-            </p:txBody>
-          </p:sp>
-          <p:sp>
-            <p:nvSpPr>
-              <p:cNvPr id="27" name="TextBox 26">
-                <a:extLst>
-                  <a:ext uri="{FF2B5EF4-FFF2-40B4-BE49-F238E27FC236}">
-                    <a16:creationId xmlns:a16="http://schemas.microsoft.com/office/drawing/2014/main" id="{A735E8F3-12B3-254F-B768-0090F43E1565}"/>
-                  </a:ext>
-                </a:extLst>
-              </p:cNvPr>
-              <p:cNvSpPr txBox="1"/>
-              <p:nvPr/>
-            </p:nvSpPr>
-            <p:spPr>
-              <a:xfrm>
-                <a:off x="771654" y="5218758"/>
-                <a:ext cx="3990494" cy="338554"/>
-              </a:xfrm>
-              <a:prstGeom prst="rect">
-                <a:avLst/>
-              </a:prstGeom>
-              <a:noFill/>
-            </p:spPr>
-            <p:txBody>
-              <a:bodyPr wrap="square" rtlCol="0">
-                <a:spAutoFit/>
-              </a:bodyPr>
-              <a:lstStyle/>
-              <a:p>
-                <a:r>
-                  <a:rPr lang="en-US" sz="1600" b="1" dirty="0"/>
-                  <a:t>Graduate Student Researcher(s)</a:t>
-                </a:r>
-              </a:p>
-            </p:txBody>
-          </p:sp>
-          <p:sp>
-            <p:nvSpPr>
-              <p:cNvPr id="29" name="TextBox 28">
-                <a:extLst>
-                  <a:ext uri="{FF2B5EF4-FFF2-40B4-BE49-F238E27FC236}">
-                    <a16:creationId xmlns:a16="http://schemas.microsoft.com/office/drawing/2014/main" id="{0B71F8BE-4460-404B-AA46-8A6875AB3A5B}"/>
-                  </a:ext>
-                </a:extLst>
-              </p:cNvPr>
-              <p:cNvSpPr txBox="1"/>
-              <p:nvPr/>
-            </p:nvSpPr>
-            <p:spPr>
-              <a:xfrm>
-                <a:off x="778901" y="5537495"/>
-                <a:ext cx="3018874" cy="338554"/>
-              </a:xfrm>
-              <a:prstGeom prst="rect">
-                <a:avLst/>
-              </a:prstGeom>
-              <a:noFill/>
-            </p:spPr>
-            <p:txBody>
-              <a:bodyPr wrap="square" rtlCol="0">
-                <a:spAutoFit/>
-              </a:bodyPr>
-              <a:lstStyle/>
-              <a:p>
-                <a:r>
-                  <a:rPr lang="en-US" sz="1600" dirty="0"/>
-                  <a:t>Keith Mitchell</a:t>
-                </a:r>
-              </a:p>
-            </p:txBody>
-          </p:sp>
-          <p:sp>
-            <p:nvSpPr>
-              <p:cNvPr id="30" name="TextBox 29">
-                <a:extLst>
-                  <a:ext uri="{FF2B5EF4-FFF2-40B4-BE49-F238E27FC236}">
-                    <a16:creationId xmlns:a16="http://schemas.microsoft.com/office/drawing/2014/main" id="{42DC3DD6-0856-CB45-BEC9-665A9A592F2E}"/>
-                  </a:ext>
-                </a:extLst>
-              </p:cNvPr>
-              <p:cNvSpPr txBox="1"/>
-              <p:nvPr/>
-            </p:nvSpPr>
-            <p:spPr>
-              <a:xfrm>
-                <a:off x="2039817" y="1899138"/>
-                <a:ext cx="184731" cy="369332"/>
-              </a:xfrm>
-              <a:prstGeom prst="rect">
-                <a:avLst/>
-              </a:prstGeom>
-              <a:noFill/>
-            </p:spPr>
-            <p:txBody>
-              <a:bodyPr wrap="none" rtlCol="0">
-                <a:spAutoFit/>
-              </a:bodyPr>
-              <a:lstStyle/>
-              <a:p>
-                <a:endParaRPr lang="en-US" dirty="0"/>
-              </a:p>
-            </p:txBody>
-          </p:sp>
-        </p:grpSp>
+            <a:prstGeom prst="rect">
+              <a:avLst/>
+            </a:prstGeom>
+            <a:solidFill>
+              <a:schemeClr val="accent1">
+                <a:alpha val="50000"/>
+              </a:schemeClr>
+            </a:solidFill>
+          </p:spPr>
+          <p:style>
+            <a:lnRef idx="2">
+              <a:schemeClr val="accent1">
+                <a:shade val="50000"/>
+              </a:schemeClr>
+            </a:lnRef>
+            <a:fillRef idx="1">
+              <a:schemeClr val="accent1"/>
+            </a:fillRef>
+            <a:effectRef idx="0">
+              <a:schemeClr val="accent1"/>
+            </a:effectRef>
+            <a:fontRef idx="minor">
+              <a:schemeClr val="lt1"/>
+            </a:fontRef>
+          </p:style>
+          <p:txBody>
+            <a:bodyPr rtlCol="0" anchor="ctr"/>
+            <a:lstStyle/>
+            <a:p>
+              <a:pPr algn="ctr"/>
+              <a:endParaRPr lang="en-US" dirty="0"/>
+            </a:p>
+          </p:txBody>
+        </p:sp>
+        <p:sp>
+          <p:nvSpPr>
+            <p:cNvPr id="8" name="TextBox 7">
+              <a:extLst>
+                <a:ext uri="{FF2B5EF4-FFF2-40B4-BE49-F238E27FC236}">
+                  <a16:creationId xmlns:a16="http://schemas.microsoft.com/office/drawing/2014/main" id="{90B0109E-1358-674A-8A03-9DD76E12E9F3}"/>
+                </a:ext>
+              </a:extLst>
+            </p:cNvPr>
+            <p:cNvSpPr txBox="1"/>
+            <p:nvPr/>
+          </p:nvSpPr>
+          <p:spPr>
+            <a:xfrm rot="16200000">
+              <a:off x="-1650079" y="4273570"/>
+              <a:ext cx="4389122" cy="369332"/>
+            </a:xfrm>
+            <a:prstGeom prst="rect">
+              <a:avLst/>
+            </a:prstGeom>
+            <a:noFill/>
+          </p:spPr>
+          <p:txBody>
+            <a:bodyPr wrap="square" rtlCol="0">
+              <a:spAutoFit/>
+            </a:bodyPr>
+            <a:lstStyle/>
+            <a:p>
+              <a:pPr algn="ctr"/>
+              <a:r>
+                <a:rPr lang="en-US" b="1" dirty="0"/>
+                <a:t>Data Analysis Group</a:t>
+              </a:r>
+            </a:p>
+          </p:txBody>
+        </p:sp>
+        <p:sp>
+          <p:nvSpPr>
+            <p:cNvPr id="9" name="TextBox 8">
+              <a:extLst>
+                <a:ext uri="{FF2B5EF4-FFF2-40B4-BE49-F238E27FC236}">
+                  <a16:creationId xmlns:a16="http://schemas.microsoft.com/office/drawing/2014/main" id="{067F403F-C502-774A-B9D1-902EA59AB282}"/>
+                </a:ext>
+              </a:extLst>
+            </p:cNvPr>
+            <p:cNvSpPr txBox="1"/>
+            <p:nvPr/>
+          </p:nvSpPr>
+          <p:spPr>
+            <a:xfrm>
+              <a:off x="741768" y="2413190"/>
+              <a:ext cx="1843088" cy="338554"/>
+            </a:xfrm>
+            <a:prstGeom prst="rect">
+              <a:avLst/>
+            </a:prstGeom>
+            <a:noFill/>
+          </p:spPr>
+          <p:txBody>
+            <a:bodyPr wrap="square" rtlCol="0">
+              <a:spAutoFit/>
+            </a:bodyPr>
+            <a:lstStyle/>
+            <a:p>
+              <a:r>
+                <a:rPr lang="en-US" sz="1600" b="1" dirty="0"/>
+                <a:t>Data Analysts</a:t>
+              </a:r>
+            </a:p>
+          </p:txBody>
+        </p:sp>
+        <p:sp>
+          <p:nvSpPr>
+            <p:cNvPr id="10" name="TextBox 9">
+              <a:extLst>
+                <a:ext uri="{FF2B5EF4-FFF2-40B4-BE49-F238E27FC236}">
+                  <a16:creationId xmlns:a16="http://schemas.microsoft.com/office/drawing/2014/main" id="{15B3DA25-494E-334F-B139-C3CFBC566C7E}"/>
+                </a:ext>
+              </a:extLst>
+            </p:cNvPr>
+            <p:cNvSpPr txBox="1"/>
+            <p:nvPr/>
+          </p:nvSpPr>
+          <p:spPr>
+            <a:xfrm>
+              <a:off x="741766" y="2723907"/>
+              <a:ext cx="3274651" cy="1323439"/>
+            </a:xfrm>
+            <a:prstGeom prst="rect">
+              <a:avLst/>
+            </a:prstGeom>
+            <a:noFill/>
+          </p:spPr>
+          <p:txBody>
+            <a:bodyPr wrap="square" rtlCol="0">
+              <a:spAutoFit/>
+            </a:bodyPr>
+            <a:lstStyle/>
+            <a:p>
+              <a:r>
+                <a:rPr lang="en-US" sz="1600" dirty="0"/>
+                <a:t>Dr. </a:t>
+              </a:r>
+              <a:r>
+                <a:rPr lang="en-US" sz="1600" dirty="0" err="1"/>
+                <a:t>Jie</a:t>
+              </a:r>
+              <a:r>
+                <a:rPr lang="en-US" sz="1600" dirty="0"/>
+                <a:t> (Jessie) Li</a:t>
+              </a:r>
+            </a:p>
+            <a:p>
+              <a:r>
+                <a:rPr lang="en-US" sz="1600" dirty="0"/>
+                <a:t>Dr. Hannah Lyman</a:t>
+              </a:r>
+            </a:p>
+            <a:p>
+              <a:r>
+                <a:rPr lang="en-US" sz="1600" dirty="0"/>
+                <a:t>Dr. Monica Britton</a:t>
+              </a:r>
+            </a:p>
+            <a:p>
+              <a:r>
+                <a:rPr lang="en-US" sz="1600" dirty="0"/>
+                <a:t>Bradley Jenner</a:t>
+              </a:r>
+            </a:p>
+            <a:p>
+              <a:r>
+                <a:rPr lang="en-US" sz="1600" dirty="0"/>
+                <a:t>Nik Joshi (75%)</a:t>
+              </a:r>
+            </a:p>
+          </p:txBody>
+        </p:sp>
+        <p:sp>
+          <p:nvSpPr>
+            <p:cNvPr id="11" name="TextBox 10">
+              <a:extLst>
+                <a:ext uri="{FF2B5EF4-FFF2-40B4-BE49-F238E27FC236}">
+                  <a16:creationId xmlns:a16="http://schemas.microsoft.com/office/drawing/2014/main" id="{9C3814BD-0AE3-054B-A72A-34601EBC52A9}"/>
+                </a:ext>
+              </a:extLst>
+            </p:cNvPr>
+            <p:cNvSpPr txBox="1"/>
+            <p:nvPr/>
+          </p:nvSpPr>
+          <p:spPr>
+            <a:xfrm>
+              <a:off x="767251" y="4043640"/>
+              <a:ext cx="1843088" cy="338554"/>
+            </a:xfrm>
+            <a:prstGeom prst="rect">
+              <a:avLst/>
+            </a:prstGeom>
+            <a:noFill/>
+          </p:spPr>
+          <p:txBody>
+            <a:bodyPr wrap="square" rtlCol="0">
+              <a:spAutoFit/>
+            </a:bodyPr>
+            <a:lstStyle/>
+            <a:p>
+              <a:r>
+                <a:rPr lang="en-US" sz="1600" b="1" dirty="0"/>
+                <a:t>Biostatistics</a:t>
+              </a:r>
+            </a:p>
+          </p:txBody>
+        </p:sp>
+        <p:sp>
+          <p:nvSpPr>
+            <p:cNvPr id="12" name="TextBox 11">
+              <a:extLst>
+                <a:ext uri="{FF2B5EF4-FFF2-40B4-BE49-F238E27FC236}">
+                  <a16:creationId xmlns:a16="http://schemas.microsoft.com/office/drawing/2014/main" id="{66894648-8A6F-C243-B5A9-9A8DA547E0D5}"/>
+                </a:ext>
+              </a:extLst>
+            </p:cNvPr>
+            <p:cNvSpPr txBox="1"/>
+            <p:nvPr/>
+          </p:nvSpPr>
+          <p:spPr>
+            <a:xfrm>
+              <a:off x="767178" y="4382550"/>
+              <a:ext cx="3369887" cy="338554"/>
+            </a:xfrm>
+            <a:prstGeom prst="rect">
+              <a:avLst/>
+            </a:prstGeom>
+            <a:noFill/>
+          </p:spPr>
+          <p:txBody>
+            <a:bodyPr wrap="square" rtlCol="0">
+              <a:spAutoFit/>
+            </a:bodyPr>
+            <a:lstStyle/>
+            <a:p>
+              <a:r>
+                <a:rPr lang="en-US" sz="1600" dirty="0"/>
+                <a:t>Dr. Blythe Durbin-Johnson (40%)</a:t>
+              </a:r>
+            </a:p>
+          </p:txBody>
+        </p:sp>
+        <p:sp>
+          <p:nvSpPr>
+            <p:cNvPr id="13" name="TextBox 12">
+              <a:extLst>
+                <a:ext uri="{FF2B5EF4-FFF2-40B4-BE49-F238E27FC236}">
+                  <a16:creationId xmlns:a16="http://schemas.microsoft.com/office/drawing/2014/main" id="{B6B1AED1-716F-2148-BC8F-AB87EE43DBEC}"/>
+                </a:ext>
+              </a:extLst>
+            </p:cNvPr>
+            <p:cNvSpPr txBox="1"/>
+            <p:nvPr/>
+          </p:nvSpPr>
+          <p:spPr>
+            <a:xfrm>
+              <a:off x="767178" y="6081853"/>
+              <a:ext cx="2462730" cy="584775"/>
+            </a:xfrm>
+            <a:prstGeom prst="rect">
+              <a:avLst/>
+            </a:prstGeom>
+            <a:noFill/>
+          </p:spPr>
+          <p:txBody>
+            <a:bodyPr wrap="square" rtlCol="0">
+              <a:spAutoFit/>
+            </a:bodyPr>
+            <a:lstStyle/>
+            <a:p>
+              <a:r>
+                <a:rPr lang="en-US" sz="1600" dirty="0"/>
+                <a:t>Undergraduate assistant(s)</a:t>
+              </a:r>
+            </a:p>
+            <a:p>
+              <a:r>
+                <a:rPr lang="en-US" sz="1600" dirty="0"/>
+                <a:t>Visiting scholars</a:t>
+              </a:r>
+            </a:p>
+          </p:txBody>
+        </p:sp>
+        <p:sp>
+          <p:nvSpPr>
+            <p:cNvPr id="14" name="Rectangle 13">
+              <a:extLst>
+                <a:ext uri="{FF2B5EF4-FFF2-40B4-BE49-F238E27FC236}">
+                  <a16:creationId xmlns:a16="http://schemas.microsoft.com/office/drawing/2014/main" id="{DEC25D77-07CC-6C4B-9894-8BA18EE7A864}"/>
+                </a:ext>
+              </a:extLst>
+            </p:cNvPr>
+            <p:cNvSpPr/>
+            <p:nvPr/>
+          </p:nvSpPr>
+          <p:spPr>
+            <a:xfrm>
+              <a:off x="4418827" y="2285625"/>
+              <a:ext cx="3749039" cy="4389120"/>
+            </a:xfrm>
+            <a:prstGeom prst="rect">
+              <a:avLst/>
+            </a:prstGeom>
+            <a:solidFill>
+              <a:schemeClr val="accent6">
+                <a:alpha val="50000"/>
+              </a:schemeClr>
+            </a:solidFill>
+          </p:spPr>
+          <p:style>
+            <a:lnRef idx="2">
+              <a:schemeClr val="accent1">
+                <a:shade val="50000"/>
+              </a:schemeClr>
+            </a:lnRef>
+            <a:fillRef idx="1">
+              <a:schemeClr val="accent1"/>
+            </a:fillRef>
+            <a:effectRef idx="0">
+              <a:schemeClr val="accent1"/>
+            </a:effectRef>
+            <a:fontRef idx="minor">
+              <a:schemeClr val="lt1"/>
+            </a:fontRef>
+          </p:style>
+          <p:txBody>
+            <a:bodyPr rtlCol="0" anchor="ctr"/>
+            <a:lstStyle/>
+            <a:p>
+              <a:pPr algn="ctr"/>
+              <a:endParaRPr lang="en-US"/>
+            </a:p>
+          </p:txBody>
+        </p:sp>
+        <p:sp>
+          <p:nvSpPr>
+            <p:cNvPr id="15" name="TextBox 14">
+              <a:extLst>
+                <a:ext uri="{FF2B5EF4-FFF2-40B4-BE49-F238E27FC236}">
+                  <a16:creationId xmlns:a16="http://schemas.microsoft.com/office/drawing/2014/main" id="{D16FE3E0-006A-244E-A41D-DF4996D46B43}"/>
+                </a:ext>
+              </a:extLst>
+            </p:cNvPr>
+            <p:cNvSpPr txBox="1"/>
+            <p:nvPr/>
+          </p:nvSpPr>
+          <p:spPr>
+            <a:xfrm rot="16200000">
+              <a:off x="2405620" y="4284543"/>
+              <a:ext cx="4367170" cy="369332"/>
+            </a:xfrm>
+            <a:prstGeom prst="rect">
+              <a:avLst/>
+            </a:prstGeom>
+            <a:noFill/>
+          </p:spPr>
+          <p:txBody>
+            <a:bodyPr wrap="square" rtlCol="0">
+              <a:spAutoFit/>
+            </a:bodyPr>
+            <a:lstStyle/>
+            <a:p>
+              <a:pPr algn="ctr"/>
+              <a:r>
+                <a:rPr lang="en-US" b="1" dirty="0"/>
+                <a:t>Research Computing Group</a:t>
+              </a:r>
+            </a:p>
+          </p:txBody>
+        </p:sp>
+        <p:sp>
+          <p:nvSpPr>
+            <p:cNvPr id="16" name="TextBox 15">
+              <a:extLst>
+                <a:ext uri="{FF2B5EF4-FFF2-40B4-BE49-F238E27FC236}">
+                  <a16:creationId xmlns:a16="http://schemas.microsoft.com/office/drawing/2014/main" id="{8E2953AD-F8FC-C04F-B7A8-A4974D2F2852}"/>
+                </a:ext>
+              </a:extLst>
+            </p:cNvPr>
+            <p:cNvSpPr txBox="1"/>
+            <p:nvPr/>
+          </p:nvSpPr>
+          <p:spPr>
+            <a:xfrm>
+              <a:off x="4867275" y="2411644"/>
+              <a:ext cx="2917214" cy="338554"/>
+            </a:xfrm>
+            <a:prstGeom prst="rect">
+              <a:avLst/>
+            </a:prstGeom>
+            <a:noFill/>
+          </p:spPr>
+          <p:txBody>
+            <a:bodyPr wrap="square" rtlCol="0">
+              <a:spAutoFit/>
+            </a:bodyPr>
+            <a:lstStyle/>
+            <a:p>
+              <a:r>
+                <a:rPr lang="en-US" sz="1600" b="1" dirty="0"/>
+                <a:t>Systems Administration</a:t>
+              </a:r>
+            </a:p>
+          </p:txBody>
+        </p:sp>
+        <p:sp>
+          <p:nvSpPr>
+            <p:cNvPr id="17" name="TextBox 16">
+              <a:extLst>
+                <a:ext uri="{FF2B5EF4-FFF2-40B4-BE49-F238E27FC236}">
+                  <a16:creationId xmlns:a16="http://schemas.microsoft.com/office/drawing/2014/main" id="{FF6DA30C-17B2-0541-9BD1-63C02CA3C6BD}"/>
+                </a:ext>
+              </a:extLst>
+            </p:cNvPr>
+            <p:cNvSpPr txBox="1"/>
+            <p:nvPr/>
+          </p:nvSpPr>
+          <p:spPr>
+            <a:xfrm>
+              <a:off x="4867275" y="2749140"/>
+              <a:ext cx="2529094" cy="830997"/>
+            </a:xfrm>
+            <a:prstGeom prst="rect">
+              <a:avLst/>
+            </a:prstGeom>
+            <a:noFill/>
+          </p:spPr>
+          <p:txBody>
+            <a:bodyPr wrap="square" rtlCol="0">
+              <a:spAutoFit/>
+            </a:bodyPr>
+            <a:lstStyle/>
+            <a:p>
+              <a:r>
+                <a:rPr lang="en-US" sz="1600" dirty="0"/>
+                <a:t>Mike Lewis</a:t>
+              </a:r>
+            </a:p>
+            <a:p>
+              <a:r>
+                <a:rPr lang="en-US" sz="1600" dirty="0"/>
+                <a:t>Richard </a:t>
+              </a:r>
+              <a:r>
+                <a:rPr lang="en-US" sz="1600" dirty="0" err="1"/>
+                <a:t>Feltstykket</a:t>
+              </a:r>
+              <a:endParaRPr lang="en-US" sz="1600" dirty="0"/>
+            </a:p>
+            <a:p>
+              <a:r>
+                <a:rPr lang="en-US" sz="1600" dirty="0"/>
+                <a:t>Tom </a:t>
+              </a:r>
+              <a:r>
+                <a:rPr lang="en-US" sz="1600" dirty="0" err="1"/>
+                <a:t>Neubarth</a:t>
+              </a:r>
+              <a:endParaRPr lang="en-US" sz="1600" dirty="0"/>
+            </a:p>
+          </p:txBody>
+        </p:sp>
+        <p:sp>
+          <p:nvSpPr>
+            <p:cNvPr id="18" name="TextBox 17">
+              <a:extLst>
+                <a:ext uri="{FF2B5EF4-FFF2-40B4-BE49-F238E27FC236}">
+                  <a16:creationId xmlns:a16="http://schemas.microsoft.com/office/drawing/2014/main" id="{77179934-A3A9-B941-9F0E-0B13DDCD3BFB}"/>
+                </a:ext>
+              </a:extLst>
+            </p:cNvPr>
+            <p:cNvSpPr txBox="1"/>
+            <p:nvPr/>
+          </p:nvSpPr>
+          <p:spPr>
+            <a:xfrm>
+              <a:off x="4898822" y="4894039"/>
+              <a:ext cx="2529094" cy="338554"/>
+            </a:xfrm>
+            <a:prstGeom prst="rect">
+              <a:avLst/>
+            </a:prstGeom>
+            <a:noFill/>
+          </p:spPr>
+          <p:txBody>
+            <a:bodyPr wrap="square" rtlCol="0">
+              <a:spAutoFit/>
+            </a:bodyPr>
+            <a:lstStyle/>
+            <a:p>
+              <a:r>
+                <a:rPr lang="en-US" sz="1600" b="1" dirty="0"/>
+                <a:t>Applications</a:t>
+              </a:r>
+            </a:p>
+          </p:txBody>
+        </p:sp>
+        <p:sp>
+          <p:nvSpPr>
+            <p:cNvPr id="19" name="TextBox 18">
+              <a:extLst>
+                <a:ext uri="{FF2B5EF4-FFF2-40B4-BE49-F238E27FC236}">
+                  <a16:creationId xmlns:a16="http://schemas.microsoft.com/office/drawing/2014/main" id="{FB50B063-AEB3-8649-99A0-33FC7856FC44}"/>
+                </a:ext>
+              </a:extLst>
+            </p:cNvPr>
+            <p:cNvSpPr txBox="1"/>
+            <p:nvPr/>
+          </p:nvSpPr>
+          <p:spPr>
+            <a:xfrm>
+              <a:off x="4889664" y="5209251"/>
+              <a:ext cx="2529094" cy="338554"/>
+            </a:xfrm>
+            <a:prstGeom prst="rect">
+              <a:avLst/>
+            </a:prstGeom>
+            <a:noFill/>
+          </p:spPr>
+          <p:txBody>
+            <a:bodyPr wrap="square" rtlCol="0">
+              <a:spAutoFit/>
+            </a:bodyPr>
+            <a:lstStyle/>
+            <a:p>
+              <a:r>
+                <a:rPr lang="en-US" sz="1600" dirty="0"/>
+                <a:t>Adam </a:t>
+              </a:r>
+              <a:r>
+                <a:rPr lang="en-US" sz="1600" dirty="0" err="1"/>
+                <a:t>Schaal</a:t>
+              </a:r>
+              <a:r>
+                <a:rPr lang="en-US" sz="1600" dirty="0"/>
+                <a:t> (25%)</a:t>
+              </a:r>
+            </a:p>
+          </p:txBody>
+        </p:sp>
+        <p:sp>
+          <p:nvSpPr>
+            <p:cNvPr id="20" name="TextBox 19">
+              <a:extLst>
+                <a:ext uri="{FF2B5EF4-FFF2-40B4-BE49-F238E27FC236}">
+                  <a16:creationId xmlns:a16="http://schemas.microsoft.com/office/drawing/2014/main" id="{BEF4A959-AB41-2248-85A4-BDE21390B659}"/>
+                </a:ext>
+              </a:extLst>
+            </p:cNvPr>
+            <p:cNvSpPr txBox="1"/>
+            <p:nvPr/>
+          </p:nvSpPr>
+          <p:spPr>
+            <a:xfrm>
+              <a:off x="4867275" y="5605117"/>
+              <a:ext cx="2529094" cy="338554"/>
+            </a:xfrm>
+            <a:prstGeom prst="rect">
+              <a:avLst/>
+            </a:prstGeom>
+            <a:noFill/>
+          </p:spPr>
+          <p:txBody>
+            <a:bodyPr wrap="square" rtlCol="0">
+              <a:spAutoFit/>
+            </a:bodyPr>
+            <a:lstStyle/>
+            <a:p>
+              <a:r>
+                <a:rPr lang="en-US" sz="1600" dirty="0"/>
+                <a:t>Undergraduate assistant(s)</a:t>
+              </a:r>
+            </a:p>
+          </p:txBody>
+        </p:sp>
+        <p:sp>
+          <p:nvSpPr>
+            <p:cNvPr id="21" name="TextBox 20">
+              <a:extLst>
+                <a:ext uri="{FF2B5EF4-FFF2-40B4-BE49-F238E27FC236}">
+                  <a16:creationId xmlns:a16="http://schemas.microsoft.com/office/drawing/2014/main" id="{662B2F39-75E8-2D43-A065-753E0F673A22}"/>
+                </a:ext>
+              </a:extLst>
+            </p:cNvPr>
+            <p:cNvSpPr txBox="1"/>
+            <p:nvPr/>
+          </p:nvSpPr>
+          <p:spPr>
+            <a:xfrm>
+              <a:off x="4898822" y="3931512"/>
+              <a:ext cx="3113875" cy="338554"/>
+            </a:xfrm>
+            <a:prstGeom prst="rect">
+              <a:avLst/>
+            </a:prstGeom>
+            <a:noFill/>
+          </p:spPr>
+          <p:txBody>
+            <a:bodyPr wrap="square" rtlCol="0">
+              <a:spAutoFit/>
+            </a:bodyPr>
+            <a:lstStyle/>
+            <a:p>
+              <a:r>
+                <a:rPr lang="en-US" sz="1600" b="1" dirty="0"/>
+                <a:t>Software Maintenance</a:t>
+              </a:r>
+            </a:p>
+          </p:txBody>
+        </p:sp>
+        <p:sp>
+          <p:nvSpPr>
+            <p:cNvPr id="22" name="TextBox 21">
+              <a:extLst>
+                <a:ext uri="{FF2B5EF4-FFF2-40B4-BE49-F238E27FC236}">
+                  <a16:creationId xmlns:a16="http://schemas.microsoft.com/office/drawing/2014/main" id="{A50F990B-D24B-8F49-A083-BAEBC837B68D}"/>
+                </a:ext>
+              </a:extLst>
+            </p:cNvPr>
+            <p:cNvSpPr txBox="1"/>
+            <p:nvPr/>
+          </p:nvSpPr>
+          <p:spPr>
+            <a:xfrm>
+              <a:off x="4898822" y="4267926"/>
+              <a:ext cx="2529094" cy="338554"/>
+            </a:xfrm>
+            <a:prstGeom prst="rect">
+              <a:avLst/>
+            </a:prstGeom>
+            <a:noFill/>
+          </p:spPr>
+          <p:txBody>
+            <a:bodyPr wrap="square" rtlCol="0">
+              <a:spAutoFit/>
+            </a:bodyPr>
+            <a:lstStyle/>
+            <a:p>
+              <a:r>
+                <a:rPr lang="en-US" sz="1600" dirty="0"/>
+                <a:t>Nik Joshi (25%)</a:t>
+              </a:r>
+            </a:p>
+          </p:txBody>
+        </p:sp>
+        <p:sp>
+          <p:nvSpPr>
+            <p:cNvPr id="23" name="Rectangle 22">
+              <a:extLst>
+                <a:ext uri="{FF2B5EF4-FFF2-40B4-BE49-F238E27FC236}">
+                  <a16:creationId xmlns:a16="http://schemas.microsoft.com/office/drawing/2014/main" id="{99626AB6-B4EA-8E49-9AB3-D01C1EEAB44F}"/>
+                </a:ext>
+              </a:extLst>
+            </p:cNvPr>
+            <p:cNvSpPr/>
+            <p:nvPr/>
+          </p:nvSpPr>
+          <p:spPr>
+            <a:xfrm>
+              <a:off x="8373128" y="2263675"/>
+              <a:ext cx="3657600" cy="4389120"/>
+            </a:xfrm>
+            <a:prstGeom prst="rect">
+              <a:avLst/>
+            </a:prstGeom>
+            <a:solidFill>
+              <a:schemeClr val="accent2">
+                <a:alpha val="50000"/>
+              </a:schemeClr>
+            </a:solidFill>
+          </p:spPr>
+          <p:style>
+            <a:lnRef idx="2">
+              <a:schemeClr val="accent1">
+                <a:shade val="50000"/>
+              </a:schemeClr>
+            </a:lnRef>
+            <a:fillRef idx="1">
+              <a:schemeClr val="accent1"/>
+            </a:fillRef>
+            <a:effectRef idx="0">
+              <a:schemeClr val="accent1"/>
+            </a:effectRef>
+            <a:fontRef idx="minor">
+              <a:schemeClr val="lt1"/>
+            </a:fontRef>
+          </p:style>
+          <p:txBody>
+            <a:bodyPr rtlCol="0" anchor="ctr"/>
+            <a:lstStyle/>
+            <a:p>
+              <a:pPr algn="ctr"/>
+              <a:endParaRPr lang="en-US"/>
+            </a:p>
+          </p:txBody>
+        </p:sp>
+        <p:sp>
+          <p:nvSpPr>
+            <p:cNvPr id="24" name="TextBox 23">
+              <a:extLst>
+                <a:ext uri="{FF2B5EF4-FFF2-40B4-BE49-F238E27FC236}">
+                  <a16:creationId xmlns:a16="http://schemas.microsoft.com/office/drawing/2014/main" id="{10D0866A-A233-F940-BB0C-B4A2D323B327}"/>
+                </a:ext>
+              </a:extLst>
+            </p:cNvPr>
+            <p:cNvSpPr txBox="1"/>
+            <p:nvPr/>
+          </p:nvSpPr>
+          <p:spPr>
+            <a:xfrm rot="16200000">
+              <a:off x="6359921" y="4284542"/>
+              <a:ext cx="4367171" cy="369332"/>
+            </a:xfrm>
+            <a:prstGeom prst="rect">
+              <a:avLst/>
+            </a:prstGeom>
+            <a:noFill/>
+          </p:spPr>
+          <p:txBody>
+            <a:bodyPr wrap="square" rtlCol="0">
+              <a:spAutoFit/>
+            </a:bodyPr>
+            <a:lstStyle/>
+            <a:p>
+              <a:pPr algn="ctr"/>
+              <a:r>
+                <a:rPr lang="en-US" b="1" dirty="0"/>
+                <a:t>Software Development</a:t>
+              </a:r>
+            </a:p>
+          </p:txBody>
+        </p:sp>
+        <p:sp>
+          <p:nvSpPr>
+            <p:cNvPr id="25" name="TextBox 24">
+              <a:extLst>
+                <a:ext uri="{FF2B5EF4-FFF2-40B4-BE49-F238E27FC236}">
+                  <a16:creationId xmlns:a16="http://schemas.microsoft.com/office/drawing/2014/main" id="{58BD027E-C636-C542-9C59-7F641F1EF7B1}"/>
+                </a:ext>
+              </a:extLst>
+            </p:cNvPr>
+            <p:cNvSpPr txBox="1"/>
+            <p:nvPr/>
+          </p:nvSpPr>
+          <p:spPr>
+            <a:xfrm>
+              <a:off x="8824706" y="2411644"/>
+              <a:ext cx="2529094" cy="338554"/>
+            </a:xfrm>
+            <a:prstGeom prst="rect">
+              <a:avLst/>
+            </a:prstGeom>
+            <a:noFill/>
+          </p:spPr>
+          <p:txBody>
+            <a:bodyPr wrap="square" rtlCol="0">
+              <a:spAutoFit/>
+            </a:bodyPr>
+            <a:lstStyle/>
+            <a:p>
+              <a:r>
+                <a:rPr lang="en-US" sz="1600" b="1" dirty="0"/>
+                <a:t>Software</a:t>
+              </a:r>
+            </a:p>
+          </p:txBody>
+        </p:sp>
+        <p:sp>
+          <p:nvSpPr>
+            <p:cNvPr id="28" name="TextBox 27">
+              <a:extLst>
+                <a:ext uri="{FF2B5EF4-FFF2-40B4-BE49-F238E27FC236}">
+                  <a16:creationId xmlns:a16="http://schemas.microsoft.com/office/drawing/2014/main" id="{F04E2736-BE5A-A046-A13F-57C5F491110D}"/>
+                </a:ext>
+              </a:extLst>
+            </p:cNvPr>
+            <p:cNvSpPr txBox="1"/>
+            <p:nvPr/>
+          </p:nvSpPr>
+          <p:spPr>
+            <a:xfrm>
+              <a:off x="8824706" y="2723907"/>
+              <a:ext cx="2529094" cy="338554"/>
+            </a:xfrm>
+            <a:prstGeom prst="rect">
+              <a:avLst/>
+            </a:prstGeom>
+            <a:noFill/>
+          </p:spPr>
+          <p:txBody>
+            <a:bodyPr wrap="square" rtlCol="0">
+              <a:spAutoFit/>
+            </a:bodyPr>
+            <a:lstStyle/>
+            <a:p>
+              <a:r>
+                <a:rPr lang="en-US" sz="1600" dirty="0"/>
+                <a:t>Adam </a:t>
+              </a:r>
+              <a:r>
+                <a:rPr lang="en-US" sz="1600" dirty="0" err="1"/>
+                <a:t>Schaal</a:t>
+              </a:r>
+              <a:r>
+                <a:rPr lang="en-US" sz="1600" dirty="0"/>
+                <a:t> (75%)</a:t>
+              </a:r>
+            </a:p>
+          </p:txBody>
+        </p:sp>
+        <p:sp>
+          <p:nvSpPr>
+            <p:cNvPr id="27" name="TextBox 26">
+              <a:extLst>
+                <a:ext uri="{FF2B5EF4-FFF2-40B4-BE49-F238E27FC236}">
+                  <a16:creationId xmlns:a16="http://schemas.microsoft.com/office/drawing/2014/main" id="{A735E8F3-12B3-254F-B768-0090F43E1565}"/>
+                </a:ext>
+              </a:extLst>
+            </p:cNvPr>
+            <p:cNvSpPr txBox="1"/>
+            <p:nvPr/>
+          </p:nvSpPr>
+          <p:spPr>
+            <a:xfrm>
+              <a:off x="771654" y="5450256"/>
+              <a:ext cx="3990494" cy="338554"/>
+            </a:xfrm>
+            <a:prstGeom prst="rect">
+              <a:avLst/>
+            </a:prstGeom>
+            <a:noFill/>
+          </p:spPr>
+          <p:txBody>
+            <a:bodyPr wrap="square" rtlCol="0">
+              <a:spAutoFit/>
+            </a:bodyPr>
+            <a:lstStyle/>
+            <a:p>
+              <a:r>
+                <a:rPr lang="en-US" sz="1600" b="1" dirty="0"/>
+                <a:t>Graduate Student Researcher(s)</a:t>
+              </a:r>
+            </a:p>
+          </p:txBody>
+        </p:sp>
+        <p:sp>
+          <p:nvSpPr>
+            <p:cNvPr id="29" name="TextBox 28">
+              <a:extLst>
+                <a:ext uri="{FF2B5EF4-FFF2-40B4-BE49-F238E27FC236}">
+                  <a16:creationId xmlns:a16="http://schemas.microsoft.com/office/drawing/2014/main" id="{0B71F8BE-4460-404B-AA46-8A6875AB3A5B}"/>
+                </a:ext>
+              </a:extLst>
+            </p:cNvPr>
+            <p:cNvSpPr txBox="1"/>
+            <p:nvPr/>
+          </p:nvSpPr>
+          <p:spPr>
+            <a:xfrm>
+              <a:off x="778901" y="5768993"/>
+              <a:ext cx="3018874" cy="338554"/>
+            </a:xfrm>
+            <a:prstGeom prst="rect">
+              <a:avLst/>
+            </a:prstGeom>
+            <a:noFill/>
+          </p:spPr>
+          <p:txBody>
+            <a:bodyPr wrap="square" rtlCol="0">
+              <a:spAutoFit/>
+            </a:bodyPr>
+            <a:lstStyle/>
+            <a:p>
+              <a:r>
+                <a:rPr lang="en-US" sz="1600" dirty="0"/>
+                <a:t>Keith Mitchell</a:t>
+              </a:r>
+            </a:p>
+          </p:txBody>
+        </p:sp>
         <p:sp>
           <p:nvSpPr>
             <p:cNvPr id="31" name="TextBox 30">
@@ -4435,7 +4420,7 @@
           </p:nvSpPr>
           <p:spPr>
             <a:xfrm>
-              <a:off x="767251" y="4503800"/>
+              <a:off x="767251" y="4735298"/>
               <a:ext cx="3249165" cy="338554"/>
             </a:xfrm>
             <a:prstGeom prst="rect">
@@ -4470,7 +4455,7 @@
           </p:nvSpPr>
           <p:spPr>
             <a:xfrm>
-              <a:off x="767179" y="4842710"/>
+              <a:off x="767179" y="5074208"/>
               <a:ext cx="3369887" cy="338554"/>
             </a:xfrm>
             <a:prstGeom prst="rect">
@@ -4491,58 +4476,58 @@
             </a:p>
           </p:txBody>
         </p:sp>
+        <p:sp>
+          <p:nvSpPr>
+            <p:cNvPr id="26" name="Rectangle 25">
+              <a:extLst>
+                <a:ext uri="{FF2B5EF4-FFF2-40B4-BE49-F238E27FC236}">
+                  <a16:creationId xmlns:a16="http://schemas.microsoft.com/office/drawing/2014/main" id="{91A59901-45B0-A549-975F-EE26193797B9}"/>
+                </a:ext>
+              </a:extLst>
+            </p:cNvPr>
+            <p:cNvSpPr/>
+            <p:nvPr/>
+          </p:nvSpPr>
+          <p:spPr>
+            <a:xfrm>
+              <a:off x="4867274" y="2411644"/>
+              <a:ext cx="2298713" cy="1168493"/>
+            </a:xfrm>
+            <a:prstGeom prst="rect">
+              <a:avLst/>
+            </a:prstGeom>
+            <a:solidFill>
+              <a:schemeClr val="accent1">
+                <a:alpha val="25000"/>
+              </a:schemeClr>
+            </a:solidFill>
+          </p:spPr>
+          <p:style>
+            <a:lnRef idx="2">
+              <a:schemeClr val="accent1">
+                <a:shade val="50000"/>
+              </a:schemeClr>
+            </a:lnRef>
+            <a:fillRef idx="1">
+              <a:schemeClr val="accent1"/>
+            </a:fillRef>
+            <a:effectRef idx="0">
+              <a:schemeClr val="accent1"/>
+            </a:effectRef>
+            <a:fontRef idx="minor">
+              <a:schemeClr val="lt1"/>
+            </a:fontRef>
+          </p:style>
+          <p:txBody>
+            <a:bodyPr rtlCol="0" anchor="ctr"/>
+            <a:lstStyle/>
+            <a:p>
+              <a:pPr algn="ctr"/>
+              <a:endParaRPr lang="en-US"/>
+            </a:p>
+          </p:txBody>
+        </p:sp>
       </p:grpSp>
-      <p:sp>
-        <p:nvSpPr>
-          <p:cNvPr id="26" name="Rectangle 25">
-            <a:extLst>
-              <a:ext uri="{FF2B5EF4-FFF2-40B4-BE49-F238E27FC236}">
-                <a16:creationId xmlns:a16="http://schemas.microsoft.com/office/drawing/2014/main" id="{91A59901-45B0-A549-975F-EE26193797B9}"/>
-              </a:ext>
-            </a:extLst>
-          </p:cNvPr>
-          <p:cNvSpPr/>
-          <p:nvPr/>
-        </p:nvSpPr>
-        <p:spPr>
-          <a:xfrm>
-            <a:off x="4867274" y="2411644"/>
-            <a:ext cx="2298713" cy="1168493"/>
-          </a:xfrm>
-          <a:prstGeom prst="rect">
-            <a:avLst/>
-          </a:prstGeom>
-          <a:solidFill>
-            <a:schemeClr val="accent1">
-              <a:alpha val="25000"/>
-            </a:schemeClr>
-          </a:solidFill>
-        </p:spPr>
-        <p:style>
-          <a:lnRef idx="2">
-            <a:schemeClr val="accent1">
-              <a:shade val="50000"/>
-            </a:schemeClr>
-          </a:lnRef>
-          <a:fillRef idx="1">
-            <a:schemeClr val="accent1"/>
-          </a:fillRef>
-          <a:effectRef idx="0">
-            <a:schemeClr val="accent1"/>
-          </a:effectRef>
-          <a:fontRef idx="minor">
-            <a:schemeClr val="lt1"/>
-          </a:fontRef>
-        </p:style>
-        <p:txBody>
-          <a:bodyPr rtlCol="0" anchor="ctr"/>
-          <a:lstStyle/>
-          <a:p>
-            <a:pPr algn="ctr"/>
-            <a:endParaRPr lang="en-US"/>
-          </a:p>
-        </p:txBody>
-      </p:sp>
     </p:spTree>
     <p:extLst>
       <p:ext uri="{BB962C8B-B14F-4D97-AF65-F5344CB8AC3E}">
